--- a/PresentationInception.pptx
+++ b/PresentationInception.pptx
@@ -124,6 +124,7 @@
 <p1510:revInfo xmlns:a="http://schemas.openxmlformats.org/drawingml/2006/main" xmlns:r="http://schemas.openxmlformats.org/officeDocument/2006/relationships" xmlns:p1510="http://schemas.microsoft.com/office/powerpoint/2015/10/main">
   <p1510:revLst>
     <p1510:client id="{2C46D093-A36C-484A-84BF-6AEE92932C45}" v="901" dt="2023-02-20T16:40:02.092"/>
+    <p1510:client id="{E8689AA9-963D-4E5D-BC31-AED3857307FA}" v="293" dt="2023-02-24T19:35:41.269"/>
     <p1510:client id="{F774C3CF-B91C-4A47-8C39-0B017DE20B1D}" v="260" dt="2023-02-20T16:59:19.588"/>
   </p1510:revLst>
 </p1510:revInfo>
@@ -258,7 +259,7 @@
           <a:p>
             <a:fld id="{E431C0BB-DC71-4713-A787-95011EDB8CA8}" type="datetimeFigureOut">
               <a:rPr lang="pt-PT" smtClean="0"/>
-              <a:t>20/02/2023</a:t>
+              <a:t>25/02/2023</a:t>
             </a:fld>
             <a:endParaRPr lang="pt-PT"/>
           </a:p>
@@ -426,7 +427,7 @@
           <a:p>
             <a:fld id="{E431C0BB-DC71-4713-A787-95011EDB8CA8}" type="datetimeFigureOut">
               <a:rPr lang="pt-PT" smtClean="0"/>
-              <a:t>20/02/2023</a:t>
+              <a:t>25/02/2023</a:t>
             </a:fld>
             <a:endParaRPr lang="pt-PT"/>
           </a:p>
@@ -604,7 +605,7 @@
           <a:p>
             <a:fld id="{E431C0BB-DC71-4713-A787-95011EDB8CA8}" type="datetimeFigureOut">
               <a:rPr lang="pt-PT" smtClean="0"/>
-              <a:t>20/02/2023</a:t>
+              <a:t>25/02/2023</a:t>
             </a:fld>
             <a:endParaRPr lang="pt-PT"/>
           </a:p>
@@ -772,7 +773,7 @@
           <a:p>
             <a:fld id="{E431C0BB-DC71-4713-A787-95011EDB8CA8}" type="datetimeFigureOut">
               <a:rPr lang="pt-PT" smtClean="0"/>
-              <a:t>20/02/2023</a:t>
+              <a:t>25/02/2023</a:t>
             </a:fld>
             <a:endParaRPr lang="pt-PT"/>
           </a:p>
@@ -1017,7 +1018,7 @@
           <a:p>
             <a:fld id="{E431C0BB-DC71-4713-A787-95011EDB8CA8}" type="datetimeFigureOut">
               <a:rPr lang="pt-PT" smtClean="0"/>
-              <a:t>20/02/2023</a:t>
+              <a:t>25/02/2023</a:t>
             </a:fld>
             <a:endParaRPr lang="pt-PT"/>
           </a:p>
@@ -1246,7 +1247,7 @@
           <a:p>
             <a:fld id="{E431C0BB-DC71-4713-A787-95011EDB8CA8}" type="datetimeFigureOut">
               <a:rPr lang="pt-PT" smtClean="0"/>
-              <a:t>20/02/2023</a:t>
+              <a:t>25/02/2023</a:t>
             </a:fld>
             <a:endParaRPr lang="pt-PT"/>
           </a:p>
@@ -1610,7 +1611,7 @@
           <a:p>
             <a:fld id="{E431C0BB-DC71-4713-A787-95011EDB8CA8}" type="datetimeFigureOut">
               <a:rPr lang="pt-PT" smtClean="0"/>
-              <a:t>20/02/2023</a:t>
+              <a:t>25/02/2023</a:t>
             </a:fld>
             <a:endParaRPr lang="pt-PT"/>
           </a:p>
@@ -1727,7 +1728,7 @@
           <a:p>
             <a:fld id="{E431C0BB-DC71-4713-A787-95011EDB8CA8}" type="datetimeFigureOut">
               <a:rPr lang="pt-PT" smtClean="0"/>
-              <a:t>20/02/2023</a:t>
+              <a:t>25/02/2023</a:t>
             </a:fld>
             <a:endParaRPr lang="pt-PT"/>
           </a:p>
@@ -1822,7 +1823,7 @@
           <a:p>
             <a:fld id="{E431C0BB-DC71-4713-A787-95011EDB8CA8}" type="datetimeFigureOut">
               <a:rPr lang="pt-PT" smtClean="0"/>
-              <a:t>20/02/2023</a:t>
+              <a:t>25/02/2023</a:t>
             </a:fld>
             <a:endParaRPr lang="pt-PT"/>
           </a:p>
@@ -2097,7 +2098,7 @@
           <a:p>
             <a:fld id="{E431C0BB-DC71-4713-A787-95011EDB8CA8}" type="datetimeFigureOut">
               <a:rPr lang="pt-PT" smtClean="0"/>
-              <a:t>20/02/2023</a:t>
+              <a:t>25/02/2023</a:t>
             </a:fld>
             <a:endParaRPr lang="pt-PT"/>
           </a:p>
@@ -2349,7 +2350,7 @@
           <a:p>
             <a:fld id="{E431C0BB-DC71-4713-A787-95011EDB8CA8}" type="datetimeFigureOut">
               <a:rPr lang="pt-PT" smtClean="0"/>
-              <a:t>20/02/2023</a:t>
+              <a:t>25/02/2023</a:t>
             </a:fld>
             <a:endParaRPr lang="pt-PT"/>
           </a:p>
@@ -2560,7 +2561,7 @@
           <a:p>
             <a:fld id="{E431C0BB-DC71-4713-A787-95011EDB8CA8}" type="datetimeFigureOut">
               <a:rPr lang="pt-PT" smtClean="0"/>
-              <a:t>20/02/2023</a:t>
+              <a:t>25/02/2023</a:t>
             </a:fld>
             <a:endParaRPr lang="pt-PT"/>
           </a:p>
@@ -5212,17 +5213,309 @@
             </a:r>
           </a:p>
           <a:p>
+            <a:r>
+              <a:rPr lang="pt-PT" sz="2500" dirty="0" err="1">
+                <a:latin typeface="Arial"/>
+                <a:cs typeface="Calibri"/>
+              </a:rPr>
+              <a:t>Identify</a:t>
+            </a:r>
+            <a:r>
+              <a:rPr lang="pt-PT" sz="2500" dirty="0">
+                <a:latin typeface="Arial"/>
+                <a:cs typeface="Calibri"/>
+              </a:rPr>
+              <a:t>, </a:t>
+            </a:r>
+            <a:r>
+              <a:rPr lang="pt-PT" sz="2500" dirty="0" err="1">
+                <a:latin typeface="Arial"/>
+                <a:cs typeface="Calibri"/>
+              </a:rPr>
+              <a:t>discuss</a:t>
+            </a:r>
+            <a:r>
+              <a:rPr lang="pt-PT" sz="2500" dirty="0">
+                <a:latin typeface="Arial"/>
+                <a:cs typeface="Calibri"/>
+              </a:rPr>
+              <a:t>, </a:t>
+            </a:r>
+            <a:r>
+              <a:rPr lang="pt-PT" sz="2500" dirty="0" err="1">
+                <a:latin typeface="Arial"/>
+                <a:cs typeface="Calibri"/>
+              </a:rPr>
+              <a:t>understand</a:t>
+            </a:r>
+            <a:r>
+              <a:rPr lang="pt-PT" sz="2500" dirty="0">
+                <a:latin typeface="Arial"/>
+                <a:cs typeface="Calibri"/>
+              </a:rPr>
+              <a:t> </a:t>
+            </a:r>
+            <a:r>
+              <a:rPr lang="pt-PT" sz="2500" dirty="0" err="1">
+                <a:latin typeface="Arial"/>
+                <a:cs typeface="Calibri"/>
+              </a:rPr>
+              <a:t>and</a:t>
+            </a:r>
+            <a:r>
+              <a:rPr lang="pt-PT" sz="2500" dirty="0">
+                <a:latin typeface="Arial"/>
+                <a:cs typeface="Calibri"/>
+              </a:rPr>
+              <a:t> refine </a:t>
+            </a:r>
+            <a:r>
+              <a:rPr lang="pt-PT" sz="2500" dirty="0" err="1">
+                <a:latin typeface="Arial"/>
+                <a:cs typeface="Calibri"/>
+              </a:rPr>
+              <a:t>the</a:t>
+            </a:r>
+            <a:r>
+              <a:rPr lang="pt-PT" sz="2500" dirty="0">
+                <a:latin typeface="Arial"/>
+                <a:cs typeface="Calibri"/>
+              </a:rPr>
+              <a:t> </a:t>
+            </a:r>
+            <a:r>
+              <a:rPr lang="pt-PT" sz="2500" dirty="0" err="1">
+                <a:latin typeface="Arial"/>
+                <a:cs typeface="Calibri"/>
+              </a:rPr>
+              <a:t>requirements</a:t>
+            </a:r>
+            <a:r>
+              <a:rPr lang="pt-PT" sz="2500" dirty="0">
+                <a:latin typeface="Arial"/>
+                <a:cs typeface="Calibri"/>
+              </a:rPr>
+              <a:t>, design </a:t>
+            </a:r>
+            <a:r>
+              <a:rPr lang="pt-PT" sz="2500" dirty="0" err="1">
+                <a:latin typeface="Arial"/>
+                <a:cs typeface="Calibri"/>
+              </a:rPr>
+              <a:t>and</a:t>
+            </a:r>
+            <a:r>
+              <a:rPr lang="pt-PT" sz="2500" dirty="0">
+                <a:latin typeface="Arial"/>
+                <a:cs typeface="Calibri"/>
+              </a:rPr>
+              <a:t> </a:t>
+            </a:r>
+            <a:r>
+              <a:rPr lang="pt-PT" sz="2500" dirty="0" err="1">
+                <a:latin typeface="Arial"/>
+                <a:cs typeface="Calibri"/>
+              </a:rPr>
+              <a:t>develop</a:t>
+            </a:r>
+            <a:r>
+              <a:rPr lang="pt-PT" sz="2500" dirty="0">
+                <a:latin typeface="Arial"/>
+                <a:cs typeface="Calibri"/>
+              </a:rPr>
+              <a:t> </a:t>
+            </a:r>
+            <a:r>
+              <a:rPr lang="pt-PT" sz="2500" dirty="0" err="1">
+                <a:latin typeface="Arial"/>
+                <a:cs typeface="Calibri"/>
+              </a:rPr>
+              <a:t>the</a:t>
+            </a:r>
+            <a:r>
+              <a:rPr lang="pt-PT" sz="2500" dirty="0">
+                <a:latin typeface="Arial"/>
+                <a:cs typeface="Calibri"/>
+              </a:rPr>
+              <a:t> </a:t>
+            </a:r>
+            <a:r>
+              <a:rPr lang="pt-PT" sz="2500" dirty="0" err="1">
+                <a:latin typeface="Arial"/>
+                <a:cs typeface="Calibri"/>
+              </a:rPr>
+              <a:t>architecture</a:t>
+            </a:r>
+            <a:r>
+              <a:rPr lang="pt-PT" sz="2500" dirty="0">
+                <a:latin typeface="Arial"/>
+                <a:cs typeface="Calibri"/>
+              </a:rPr>
+              <a:t> </a:t>
+            </a:r>
+            <a:r>
+              <a:rPr lang="pt-PT" sz="2500" dirty="0" err="1">
+                <a:latin typeface="Arial"/>
+                <a:cs typeface="Calibri"/>
+              </a:rPr>
+              <a:t>and</a:t>
+            </a:r>
+            <a:r>
+              <a:rPr lang="pt-PT" sz="2500" dirty="0">
+                <a:latin typeface="Arial"/>
+                <a:cs typeface="Calibri"/>
+              </a:rPr>
+              <a:t> </a:t>
+            </a:r>
+            <a:r>
+              <a:rPr lang="pt-PT" sz="2500" dirty="0" err="1">
+                <a:latin typeface="Arial"/>
+                <a:cs typeface="Calibri"/>
+              </a:rPr>
+              <a:t>the</a:t>
+            </a:r>
+            <a:r>
+              <a:rPr lang="pt-PT" sz="2500" dirty="0">
+                <a:latin typeface="Arial"/>
+                <a:cs typeface="Calibri"/>
+              </a:rPr>
+              <a:t> </a:t>
+            </a:r>
+            <a:r>
+              <a:rPr lang="pt-PT" sz="2500" dirty="0" err="1">
+                <a:latin typeface="Arial"/>
+                <a:cs typeface="Calibri"/>
+              </a:rPr>
+              <a:t>solution</a:t>
+            </a:r>
+            <a:r>
+              <a:rPr lang="pt-PT" sz="2500" dirty="0">
+                <a:latin typeface="Arial"/>
+                <a:cs typeface="Calibri"/>
+              </a:rPr>
+              <a:t> </a:t>
+            </a:r>
+          </a:p>
+          <a:p>
+            <a:r>
+              <a:rPr lang="pt-PT" sz="2500" dirty="0">
+                <a:latin typeface="Arial"/>
+                <a:cs typeface="Calibri"/>
+              </a:rPr>
+              <a:t>Module: </a:t>
+            </a:r>
+            <a:r>
+              <a:rPr lang="pt-PT" sz="2500" dirty="0" err="1">
+                <a:latin typeface="Arial"/>
+                <a:cs typeface="Calibri"/>
+              </a:rPr>
+              <a:t>Language</a:t>
+            </a:r>
+            <a:r>
+              <a:rPr lang="pt-PT" sz="2500" dirty="0">
+                <a:latin typeface="Arial"/>
+                <a:cs typeface="Calibri"/>
+              </a:rPr>
+              <a:t> </a:t>
+            </a:r>
+            <a:r>
+              <a:rPr lang="pt-PT" sz="2500" dirty="0" err="1">
+                <a:latin typeface="Arial"/>
+                <a:cs typeface="Calibri"/>
+              </a:rPr>
+              <a:t>Model</a:t>
+            </a:r>
+            <a:r>
+              <a:rPr lang="pt-PT" sz="2500">
+                <a:latin typeface="Arial"/>
+                <a:cs typeface="Calibri"/>
+              </a:rPr>
+              <a:t> Configuration</a:t>
+            </a:r>
             <a:endParaRPr lang="pt-PT" sz="2500" dirty="0">
               <a:latin typeface="Arial"/>
               <a:cs typeface="Calibri"/>
             </a:endParaRPr>
           </a:p>
           <a:p>
+            <a:pPr lvl="1"/>
+            <a:r>
+              <a:rPr lang="pt-PT" sz="2100" dirty="0" err="1">
+                <a:latin typeface="Arial"/>
+                <a:cs typeface="Calibri"/>
+              </a:rPr>
+              <a:t>Task</a:t>
+            </a:r>
+            <a:r>
+              <a:rPr lang="pt-PT" sz="2100">
+                <a:latin typeface="Arial"/>
+                <a:cs typeface="Calibri"/>
+              </a:rPr>
+              <a:t> 1: Understand the </a:t>
+            </a:r>
+            <a:endParaRPr lang="pt-PT" sz="2100" dirty="0">
+              <a:latin typeface="Arial"/>
+              <a:cs typeface="Calibri"/>
+            </a:endParaRPr>
+          </a:p>
+          <a:p>
+            <a:r>
+              <a:rPr lang="pt-PT" dirty="0">
+                <a:cs typeface="Calibri"/>
+              </a:rPr>
+              <a:t>Module: </a:t>
+            </a:r>
+            <a:r>
+              <a:rPr lang="pt-PT" dirty="0" err="1">
+                <a:cs typeface="Calibri"/>
+              </a:rPr>
+              <a:t>Extension</a:t>
+            </a:r>
             <a:endParaRPr lang="pt-PT" dirty="0">
               <a:cs typeface="Calibri"/>
             </a:endParaRPr>
           </a:p>
           <a:p>
+            <a:pPr lvl="1"/>
+            <a:r>
+              <a:rPr lang="pt-PT" err="1">
+                <a:cs typeface="Calibri"/>
+              </a:rPr>
+              <a:t>Task</a:t>
+            </a:r>
+            <a:r>
+              <a:rPr lang="pt-PT">
+                <a:cs typeface="Calibri"/>
+              </a:rPr>
+              <a:t> 1: Front-end (Daniel)</a:t>
+            </a:r>
+          </a:p>
+          <a:p>
+            <a:pPr lvl="1"/>
+            <a:r>
+              <a:rPr lang="pt-PT" err="1">
+                <a:cs typeface="Calibri"/>
+              </a:rPr>
+              <a:t>Task</a:t>
+            </a:r>
+            <a:r>
+              <a:rPr lang="pt-PT" dirty="0">
+                <a:cs typeface="Calibri"/>
+              </a:rPr>
+              <a:t> 2: </a:t>
+            </a:r>
+            <a:r>
+              <a:rPr lang="pt-PT" err="1">
+                <a:cs typeface="Calibri"/>
+              </a:rPr>
+              <a:t>Back-end</a:t>
+            </a:r>
+            <a:r>
+              <a:rPr lang="pt-PT">
+                <a:cs typeface="Calibri"/>
+              </a:rPr>
+              <a:t> (Ricardo, Alexandre)</a:t>
+            </a:r>
             <a:endParaRPr lang="pt-PT" dirty="0">
               <a:cs typeface="Calibri"/>
             </a:endParaRPr>
@@ -5398,76 +5691,229 @@
           </a:p>
           <a:p>
             <a:r>
-              <a:rPr lang="pt-PT" sz="2500" dirty="0">
+              <a:rPr lang="pt-PT" sz="2500" dirty="0" err="1">
                 <a:latin typeface="Arial"/>
                 <a:ea typeface="+mn-lt"/>
                 <a:cs typeface="+mn-lt"/>
               </a:rPr>
-              <a:t>11/04/2022 - </a:t>
-            </a:r>
-            <a:r>
-              <a:rPr lang="pt-PT" sz="2500" dirty="0" err="1">
+              <a:t>Begin</a:t>
+            </a:r>
+            <a:r>
+              <a:rPr lang="pt-PT" sz="2500" dirty="0">
                 <a:latin typeface="Arial"/>
                 <a:ea typeface="+mn-lt"/>
                 <a:cs typeface="+mn-lt"/>
               </a:rPr>
-              <a:t>prototype</a:t>
-            </a:r>
-            <a:r>
-              <a:rPr lang="pt-PT" sz="2500" dirty="0">
+              <a:t> </a:t>
+            </a:r>
+            <a:r>
+              <a:rPr lang="pt-PT" sz="2500" dirty="0" err="1">
                 <a:latin typeface="Arial"/>
                 <a:ea typeface="+mn-lt"/>
                 <a:cs typeface="+mn-lt"/>
               </a:rPr>
-              <a:t> </a:t>
-            </a:r>
-            <a:r>
-              <a:rPr lang="pt-PT" sz="2500" dirty="0" err="1">
+              <a:t>developing</a:t>
+            </a:r>
+            <a:r>
+              <a:rPr lang="pt-PT" sz="2500" dirty="0">
                 <a:latin typeface="Arial"/>
                 <a:ea typeface="+mn-lt"/>
                 <a:cs typeface="+mn-lt"/>
               </a:rPr>
-              <a:t>and</a:t>
-            </a:r>
-            <a:r>
-              <a:rPr lang="pt-PT" sz="2500" dirty="0">
+              <a:t> a complete </a:t>
+            </a:r>
+            <a:r>
+              <a:rPr lang="pt-PT" sz="2500" dirty="0" err="1">
                 <a:latin typeface="Arial"/>
                 <a:ea typeface="+mn-lt"/>
                 <a:cs typeface="+mn-lt"/>
               </a:rPr>
-              <a:t> </a:t>
-            </a:r>
-            <a:r>
-              <a:rPr lang="pt-PT" sz="2500" dirty="0" err="1">
+              <a:t>product</a:t>
+            </a:r>
+          </a:p>
+          <a:p>
+            <a:r>
+              <a:rPr lang="pt-PT" sz="2500" dirty="0">
                 <a:latin typeface="Arial"/>
                 <a:ea typeface="+mn-lt"/>
                 <a:cs typeface="+mn-lt"/>
               </a:rPr>
-              <a:t>mid-term</a:t>
-            </a:r>
-            <a:r>
-              <a:rPr lang="pt-PT" sz="2500" dirty="0">
+              <a:t>Complete a </a:t>
+            </a:r>
+            <a:r>
+              <a:rPr lang="pt-PT" sz="2500" dirty="0" err="1">
                 <a:latin typeface="Arial"/>
                 <a:ea typeface="+mn-lt"/>
                 <a:cs typeface="+mn-lt"/>
               </a:rPr>
-              <a:t> </a:t>
-            </a:r>
-            <a:r>
-              <a:rPr lang="pt-PT" sz="2500" dirty="0" err="1">
+              <a:t>working</a:t>
+            </a:r>
+            <a:r>
+              <a:rPr lang="pt-PT" sz="2500" dirty="0">
                 <a:latin typeface="Arial"/>
                 <a:ea typeface="+mn-lt"/>
                 <a:cs typeface="+mn-lt"/>
               </a:rPr>
+              <a:t> </a:t>
+            </a:r>
+            <a:r>
+              <a:rPr lang="pt-PT" sz="2500" dirty="0" err="1">
+                <a:latin typeface="Arial"/>
+                <a:ea typeface="+mn-lt"/>
+                <a:cs typeface="+mn-lt"/>
+              </a:rPr>
+              <a:t>prototype</a:t>
+            </a:r>
+          </a:p>
+          <a:p>
+            <a:r>
+              <a:rPr lang="pt-PT" sz="2500" i="1" dirty="0">
+                <a:latin typeface="Arial"/>
+                <a:ea typeface="+mn-lt"/>
+                <a:cs typeface="+mn-lt"/>
+              </a:rPr>
+              <a:t>11/04/2022 - </a:t>
+            </a:r>
+            <a:r>
+              <a:rPr lang="pt-PT" sz="2500" i="1" dirty="0" err="1">
+                <a:latin typeface="Arial"/>
+                <a:ea typeface="+mn-lt"/>
+                <a:cs typeface="+mn-lt"/>
+              </a:rPr>
+              <a:t>prototype</a:t>
+            </a:r>
+            <a:r>
+              <a:rPr lang="pt-PT" sz="2500" i="1" dirty="0">
+                <a:latin typeface="Arial"/>
+                <a:ea typeface="+mn-lt"/>
+                <a:cs typeface="+mn-lt"/>
+              </a:rPr>
+              <a:t> </a:t>
+            </a:r>
+            <a:r>
+              <a:rPr lang="pt-PT" sz="2500" i="1" dirty="0" err="1">
+                <a:latin typeface="Arial"/>
+                <a:ea typeface="+mn-lt"/>
+                <a:cs typeface="+mn-lt"/>
+              </a:rPr>
+              <a:t>and</a:t>
+            </a:r>
+            <a:r>
+              <a:rPr lang="pt-PT" sz="2500" i="1" dirty="0">
+                <a:latin typeface="Arial"/>
+                <a:ea typeface="+mn-lt"/>
+                <a:cs typeface="+mn-lt"/>
+              </a:rPr>
+              <a:t> </a:t>
+            </a:r>
+            <a:r>
+              <a:rPr lang="pt-PT" sz="2500" i="1" dirty="0" err="1">
+                <a:latin typeface="Arial"/>
+                <a:ea typeface="+mn-lt"/>
+                <a:cs typeface="+mn-lt"/>
+              </a:rPr>
+              <a:t>mid-term</a:t>
+            </a:r>
+            <a:r>
+              <a:rPr lang="pt-PT" sz="2500" i="1" dirty="0">
+                <a:latin typeface="Arial"/>
+                <a:ea typeface="+mn-lt"/>
+                <a:cs typeface="+mn-lt"/>
+              </a:rPr>
+              <a:t> </a:t>
+            </a:r>
+            <a:r>
+              <a:rPr lang="pt-PT" sz="2500" i="1" dirty="0" err="1">
+                <a:latin typeface="Arial"/>
+                <a:ea typeface="+mn-lt"/>
+                <a:cs typeface="+mn-lt"/>
+              </a:rPr>
               <a:t>presentation</a:t>
             </a:r>
-            <a:endParaRPr lang="pt-PT" sz="2500" dirty="0" err="1">
+            <a:endParaRPr lang="pt-PT" sz="2500" i="1" dirty="0" err="1">
               <a:latin typeface="Arial"/>
               <a:ea typeface="Calibri"/>
               <a:cs typeface="Calibri"/>
             </a:endParaRPr>
           </a:p>
           <a:p>
+            <a:r>
+              <a:rPr lang="pt-PT" sz="2500" dirty="0">
+                <a:latin typeface="Arial"/>
+                <a:cs typeface="Arial"/>
+              </a:rPr>
+              <a:t>Complete </a:t>
+            </a:r>
+            <a:r>
+              <a:rPr lang="pt-PT" sz="2500" dirty="0" err="1">
+                <a:latin typeface="Arial"/>
+                <a:cs typeface="Arial"/>
+              </a:rPr>
+              <a:t>the</a:t>
+            </a:r>
+            <a:r>
+              <a:rPr lang="pt-PT" sz="2500" dirty="0">
+                <a:latin typeface="Arial"/>
+                <a:cs typeface="Arial"/>
+              </a:rPr>
+              <a:t> </a:t>
+            </a:r>
+            <a:r>
+              <a:rPr lang="pt-PT" sz="2500" dirty="0" err="1">
+                <a:latin typeface="Arial"/>
+                <a:cs typeface="Arial"/>
+              </a:rPr>
+              <a:t>implementation</a:t>
+            </a:r>
+            <a:r>
+              <a:rPr lang="pt-PT" sz="2500" dirty="0">
+                <a:latin typeface="Arial"/>
+                <a:cs typeface="Arial"/>
+              </a:rPr>
+              <a:t> </a:t>
+            </a:r>
+            <a:r>
+              <a:rPr lang="pt-PT" sz="2500" dirty="0" err="1">
+                <a:latin typeface="Arial"/>
+                <a:cs typeface="Arial"/>
+              </a:rPr>
+              <a:t>and</a:t>
+            </a:r>
+            <a:r>
+              <a:rPr lang="pt-PT" sz="2500" dirty="0">
+                <a:latin typeface="Arial"/>
+                <a:cs typeface="Arial"/>
+              </a:rPr>
+              <a:t> </a:t>
+            </a:r>
+            <a:r>
+              <a:rPr lang="pt-PT" sz="2500" dirty="0" err="1">
+                <a:latin typeface="Arial"/>
+                <a:cs typeface="Arial"/>
+              </a:rPr>
+              <a:t>test</a:t>
+            </a:r>
+            <a:r>
+              <a:rPr lang="pt-PT" sz="2500" dirty="0">
+                <a:latin typeface="Arial"/>
+                <a:cs typeface="Arial"/>
+              </a:rPr>
+              <a:t> </a:t>
+            </a:r>
+            <a:r>
+              <a:rPr lang="pt-PT" sz="2500" dirty="0" err="1">
+                <a:latin typeface="Arial"/>
+                <a:cs typeface="Arial"/>
+              </a:rPr>
+              <a:t>the</a:t>
+            </a:r>
+            <a:r>
+              <a:rPr lang="pt-PT" sz="2500" dirty="0">
+                <a:latin typeface="Arial"/>
+                <a:cs typeface="Arial"/>
+              </a:rPr>
+              <a:t> software</a:t>
+            </a:r>
             <a:endParaRPr lang="pt-PT" sz="2500" dirty="0">
               <a:latin typeface="Arial"/>
               <a:cs typeface="Calibri"/>

--- a/PresentationInception.pptx
+++ b/PresentationInception.pptx
@@ -124,6 +124,7 @@
 <p1510:revInfo xmlns:a="http://schemas.openxmlformats.org/drawingml/2006/main" xmlns:r="http://schemas.openxmlformats.org/officeDocument/2006/relationships" xmlns:p1510="http://schemas.microsoft.com/office/powerpoint/2015/10/main">
   <p1510:revLst>
     <p1510:client id="{2C46D093-A36C-484A-84BF-6AEE92932C45}" v="901" dt="2023-02-20T16:40:02.092"/>
+    <p1510:client id="{9455531E-7C70-44B9-9CB2-A989D1F6EA3E}" v="121" dt="2023-02-25T10:59:59.083"/>
     <p1510:client id="{E8689AA9-963D-4E5D-BC31-AED3857307FA}" v="293" dt="2023-02-24T19:35:41.269"/>
     <p1510:client id="{F774C3CF-B91C-4A47-8C39-0B017DE20B1D}" v="260" dt="2023-02-20T16:59:19.588"/>
   </p1510:revLst>
@@ -4901,21 +4902,7 @@
                 <a:latin typeface="Arial"/>
                 <a:cs typeface="Calibri"/>
               </a:rPr>
-              <a:t>Module: </a:t>
-            </a:r>
-            <a:r>
-              <a:rPr lang="pt-PT" sz="2500" dirty="0" err="1">
-                <a:latin typeface="Arial"/>
-                <a:cs typeface="Calibri"/>
-              </a:rPr>
-              <a:t>project</a:t>
-            </a:r>
-            <a:r>
-              <a:rPr lang="pt-PT" sz="2500" dirty="0">
-                <a:latin typeface="Arial"/>
-                <a:cs typeface="Calibri"/>
-              </a:rPr>
-              <a:t> website</a:t>
+              <a:t>Module: Project website</a:t>
             </a:r>
           </a:p>
           <a:p>
@@ -4939,7 +4926,7 @@
                 <a:latin typeface="Arial"/>
                 <a:cs typeface="Calibri"/>
               </a:rPr>
-              <a:t>backend</a:t>
+              <a:t>Back-end</a:t>
             </a:r>
             <a:r>
               <a:rPr lang="pt-PT" sz="2100" dirty="0">
@@ -4970,7 +4957,7 @@
                 <a:latin typeface="Arial"/>
                 <a:cs typeface="Calibri"/>
               </a:rPr>
-              <a:t>frontend</a:t>
+              <a:t>Front-end</a:t>
             </a:r>
             <a:r>
               <a:rPr lang="pt-PT" sz="2100" dirty="0">
@@ -5001,7 +4988,7 @@
                 <a:latin typeface="Arial"/>
                 <a:cs typeface="Calibri"/>
               </a:rPr>
-              <a:t>maintain</a:t>
+              <a:t>Maintain</a:t>
             </a:r>
             <a:r>
               <a:rPr lang="pt-PT" sz="2100" dirty="0">
@@ -5426,11 +5413,18 @@
               <a:t>Model</a:t>
             </a:r>
             <a:r>
-              <a:rPr lang="pt-PT" sz="2500">
-                <a:latin typeface="Arial"/>
-                <a:cs typeface="Calibri"/>
-              </a:rPr>
-              <a:t> Configuration</a:t>
+              <a:rPr lang="pt-PT" sz="2500" dirty="0">
+                <a:latin typeface="Arial"/>
+                <a:cs typeface="Calibri"/>
+              </a:rPr>
+              <a:t> </a:t>
+            </a:r>
+            <a:r>
+              <a:rPr lang="pt-PT" sz="2500" dirty="0" err="1">
+                <a:latin typeface="Arial"/>
+                <a:cs typeface="Calibri"/>
+              </a:rPr>
+              <a:t>Configuration</a:t>
             </a:r>
             <a:endParaRPr lang="pt-PT" sz="2500" dirty="0">
               <a:latin typeface="Arial"/>
@@ -5447,78 +5441,310 @@
               <a:t>Task</a:t>
             </a:r>
             <a:r>
-              <a:rPr lang="pt-PT" sz="2100">
-                <a:latin typeface="Arial"/>
-                <a:cs typeface="Calibri"/>
-              </a:rPr>
-              <a:t> 1: Understand the </a:t>
-            </a:r>
-            <a:endParaRPr lang="pt-PT" sz="2100" dirty="0">
+              <a:rPr lang="pt-PT" sz="2100" dirty="0">
+                <a:latin typeface="Arial"/>
+                <a:cs typeface="Calibri"/>
+              </a:rPr>
+              <a:t> 1: </a:t>
+            </a:r>
+            <a:r>
+              <a:rPr lang="pt-PT" sz="2100" dirty="0" err="1">
+                <a:latin typeface="Arial"/>
+                <a:cs typeface="Calibri"/>
+              </a:rPr>
+              <a:t>Understand</a:t>
+            </a:r>
+            <a:r>
+              <a:rPr lang="pt-PT" sz="2100" dirty="0">
+                <a:latin typeface="Arial"/>
+                <a:cs typeface="Calibri"/>
+              </a:rPr>
+              <a:t> </a:t>
+            </a:r>
+            <a:r>
+              <a:rPr lang="pt-PT" sz="2100" dirty="0" err="1">
+                <a:latin typeface="Arial"/>
+                <a:cs typeface="Calibri"/>
+              </a:rPr>
+              <a:t>the</a:t>
+            </a:r>
+            <a:r>
+              <a:rPr lang="pt-PT" sz="2100" dirty="0">
+                <a:latin typeface="Arial"/>
+                <a:cs typeface="Calibri"/>
+              </a:rPr>
+              <a:t> </a:t>
+            </a:r>
+            <a:r>
+              <a:rPr lang="pt-PT" sz="2100" dirty="0" err="1">
+                <a:latin typeface="Arial"/>
+                <a:cs typeface="Calibri"/>
+              </a:rPr>
+              <a:t>language</a:t>
+            </a:r>
+            <a:r>
+              <a:rPr lang="pt-PT" sz="2100" dirty="0">
+                <a:latin typeface="Arial"/>
+                <a:cs typeface="Calibri"/>
+              </a:rPr>
+              <a:t> </a:t>
+            </a:r>
+            <a:r>
+              <a:rPr lang="pt-PT" sz="2100" dirty="0" err="1">
+                <a:latin typeface="Arial"/>
+                <a:cs typeface="Calibri"/>
+              </a:rPr>
+              <a:t>models</a:t>
+            </a:r>
+            <a:r>
+              <a:rPr lang="pt-PT" sz="2100" dirty="0">
+                <a:latin typeface="Arial"/>
+                <a:cs typeface="Calibri"/>
+              </a:rPr>
+              <a:t>' </a:t>
+            </a:r>
+            <a:r>
+              <a:rPr lang="pt-PT" sz="2100" dirty="0" err="1">
+                <a:latin typeface="Arial"/>
+                <a:cs typeface="Calibri"/>
+              </a:rPr>
+              <a:t>functionality</a:t>
+            </a:r>
+            <a:r>
+              <a:rPr lang="pt-PT" sz="2100" dirty="0">
+                <a:latin typeface="Arial"/>
+                <a:cs typeface="Calibri"/>
+              </a:rPr>
+              <a:t> (Alexandre)</a:t>
+            </a:r>
+          </a:p>
+          <a:p>
+            <a:pPr lvl="1"/>
+            <a:r>
+              <a:rPr lang="pt-PT" sz="2100" dirty="0" err="1">
+                <a:latin typeface="Arial"/>
+                <a:cs typeface="Calibri"/>
+              </a:rPr>
+              <a:t>Task</a:t>
+            </a:r>
+            <a:r>
+              <a:rPr lang="pt-PT" sz="2100" dirty="0">
+                <a:latin typeface="Arial"/>
+                <a:cs typeface="Calibri"/>
+              </a:rPr>
+              <a:t> 2: Interface </a:t>
+            </a:r>
+            <a:r>
+              <a:rPr lang="pt-PT" sz="2100" dirty="0" err="1">
+                <a:latin typeface="Arial"/>
+                <a:cs typeface="Calibri"/>
+              </a:rPr>
+              <a:t>between</a:t>
+            </a:r>
+            <a:r>
+              <a:rPr lang="pt-PT" sz="2100" dirty="0">
+                <a:latin typeface="Arial"/>
+                <a:cs typeface="Calibri"/>
+              </a:rPr>
+              <a:t> </a:t>
+            </a:r>
+            <a:r>
+              <a:rPr lang="pt-PT" sz="2100" dirty="0" err="1">
+                <a:latin typeface="Arial"/>
+                <a:cs typeface="Calibri"/>
+              </a:rPr>
+              <a:t>extension</a:t>
+            </a:r>
+            <a:r>
+              <a:rPr lang="pt-PT" sz="2100" dirty="0">
+                <a:latin typeface="Arial"/>
+                <a:cs typeface="Calibri"/>
+              </a:rPr>
+              <a:t> </a:t>
+            </a:r>
+            <a:r>
+              <a:rPr lang="pt-PT" sz="2100" dirty="0" err="1">
+                <a:latin typeface="Arial"/>
+                <a:cs typeface="Calibri"/>
+              </a:rPr>
+              <a:t>and</a:t>
+            </a:r>
+            <a:r>
+              <a:rPr lang="pt-PT" sz="2100" dirty="0">
+                <a:latin typeface="Arial"/>
+                <a:cs typeface="Calibri"/>
+              </a:rPr>
+              <a:t> </a:t>
+            </a:r>
+            <a:r>
+              <a:rPr lang="pt-PT" sz="2100" dirty="0" err="1">
+                <a:latin typeface="Arial"/>
+                <a:cs typeface="Calibri"/>
+              </a:rPr>
+              <a:t>LMs</a:t>
+            </a:r>
+            <a:r>
+              <a:rPr lang="pt-PT" sz="2100" dirty="0">
+                <a:latin typeface="Arial"/>
+                <a:cs typeface="Calibri"/>
+              </a:rPr>
+              <a:t> (Alexandre)</a:t>
+            </a:r>
+          </a:p>
+          <a:p>
+            <a:r>
+              <a:rPr lang="pt-PT" sz="2500" dirty="0">
+                <a:latin typeface="Arial"/>
+                <a:cs typeface="Calibri"/>
+              </a:rPr>
+              <a:t>Module: </a:t>
+            </a:r>
+            <a:r>
+              <a:rPr lang="pt-PT" sz="2500" dirty="0" err="1">
+                <a:latin typeface="Arial"/>
+                <a:cs typeface="Calibri"/>
+              </a:rPr>
+              <a:t>Extension</a:t>
+            </a:r>
+            <a:endParaRPr lang="pt-PT" sz="2500">
               <a:latin typeface="Arial"/>
               <a:cs typeface="Calibri"/>
             </a:endParaRPr>
           </a:p>
           <a:p>
-            <a:r>
-              <a:rPr lang="pt-PT" dirty="0">
-                <a:cs typeface="Calibri"/>
-              </a:rPr>
-              <a:t>Module: </a:t>
-            </a:r>
-            <a:r>
-              <a:rPr lang="pt-PT" dirty="0" err="1">
-                <a:cs typeface="Calibri"/>
-              </a:rPr>
-              <a:t>Extension</a:t>
-            </a:r>
-            <a:endParaRPr lang="pt-PT" dirty="0">
-              <a:cs typeface="Calibri"/>
-            </a:endParaRPr>
-          </a:p>
-          <a:p>
             <a:pPr lvl="1"/>
             <a:r>
-              <a:rPr lang="pt-PT" err="1">
+              <a:rPr lang="pt-PT" sz="2100" dirty="0" err="1">
+                <a:latin typeface="Arial"/>
                 <a:cs typeface="Calibri"/>
               </a:rPr>
               <a:t>Task</a:t>
             </a:r>
             <a:r>
-              <a:rPr lang="pt-PT">
-                <a:cs typeface="Calibri"/>
-              </a:rPr>
-              <a:t> 1: Front-end (Daniel)</a:t>
+              <a:rPr lang="pt-PT" sz="2100" dirty="0">
+                <a:latin typeface="Arial"/>
+                <a:cs typeface="Calibri"/>
+              </a:rPr>
+              <a:t> 1: </a:t>
+            </a:r>
+            <a:r>
+              <a:rPr lang="pt-PT" sz="2100" dirty="0" err="1">
+                <a:latin typeface="Arial"/>
+                <a:cs typeface="Calibri"/>
+              </a:rPr>
+              <a:t>Front-end</a:t>
+            </a:r>
+            <a:r>
+              <a:rPr lang="pt-PT" sz="2100" dirty="0">
+                <a:latin typeface="Arial"/>
+                <a:cs typeface="Calibri"/>
+              </a:rPr>
+              <a:t> (Daniel)</a:t>
             </a:r>
           </a:p>
           <a:p>
             <a:pPr lvl="1"/>
             <a:r>
-              <a:rPr lang="pt-PT" err="1">
+              <a:rPr lang="pt-PT" sz="2100" dirty="0" err="1">
+                <a:latin typeface="Arial"/>
                 <a:cs typeface="Calibri"/>
               </a:rPr>
               <a:t>Task</a:t>
             </a:r>
             <a:r>
-              <a:rPr lang="pt-PT" dirty="0">
+              <a:rPr lang="pt-PT" sz="2100" dirty="0">
+                <a:latin typeface="Arial"/>
                 <a:cs typeface="Calibri"/>
               </a:rPr>
               <a:t> 2: </a:t>
             </a:r>
             <a:r>
-              <a:rPr lang="pt-PT" err="1">
+              <a:rPr lang="pt-PT" sz="2100" dirty="0" err="1">
+                <a:latin typeface="Arial"/>
                 <a:cs typeface="Calibri"/>
               </a:rPr>
               <a:t>Back-end</a:t>
             </a:r>
             <a:r>
-              <a:rPr lang="pt-PT">
+              <a:rPr lang="pt-PT" sz="2100" dirty="0">
+                <a:latin typeface="Arial"/>
+                <a:cs typeface="Calibri"/>
+              </a:rPr>
+              <a:t> </a:t>
+            </a:r>
+            <a:r>
+              <a:rPr lang="pt-PT" sz="2100" dirty="0" err="1">
+                <a:latin typeface="Arial"/>
+                <a:cs typeface="Calibri"/>
+              </a:rPr>
+              <a:t>Architecture</a:t>
+            </a:r>
+            <a:r>
+              <a:rPr lang="pt-PT" sz="2100" dirty="0">
+                <a:latin typeface="Arial"/>
                 <a:cs typeface="Calibri"/>
               </a:rPr>
               <a:t> (Ricardo, Alexandre)</a:t>
             </a:r>
-            <a:endParaRPr lang="pt-PT" dirty="0">
-              <a:cs typeface="Calibri"/>
-            </a:endParaRPr>
+          </a:p>
+          <a:p>
+            <a:pPr lvl="1"/>
+            <a:r>
+              <a:rPr lang="pt-PT" sz="2100" dirty="0" err="1">
+                <a:latin typeface="Arial"/>
+                <a:cs typeface="Calibri"/>
+              </a:rPr>
+              <a:t>Task</a:t>
+            </a:r>
+            <a:r>
+              <a:rPr lang="pt-PT" sz="2100" dirty="0">
+                <a:latin typeface="Arial"/>
+                <a:cs typeface="Calibri"/>
+              </a:rPr>
+              <a:t> 3: </a:t>
+            </a:r>
+            <a:r>
+              <a:rPr lang="pt-PT" sz="2100" dirty="0" err="1">
+                <a:latin typeface="Arial"/>
+                <a:cs typeface="Calibri"/>
+              </a:rPr>
+              <a:t>Rest</a:t>
+            </a:r>
+            <a:r>
+              <a:rPr lang="pt-PT" sz="2100" dirty="0">
+                <a:latin typeface="Arial"/>
+                <a:cs typeface="Calibri"/>
+              </a:rPr>
+              <a:t> </a:t>
+            </a:r>
+            <a:r>
+              <a:rPr lang="pt-PT" sz="2100" dirty="0" err="1">
+                <a:latin typeface="Arial"/>
+                <a:cs typeface="Calibri"/>
+              </a:rPr>
+              <a:t>of</a:t>
+            </a:r>
+            <a:r>
+              <a:rPr lang="pt-PT" sz="2100" dirty="0">
+                <a:latin typeface="Arial"/>
+                <a:cs typeface="Calibri"/>
+              </a:rPr>
+              <a:t> </a:t>
+            </a:r>
+            <a:r>
+              <a:rPr lang="pt-PT" sz="2100" dirty="0" err="1">
+                <a:latin typeface="Arial"/>
+                <a:cs typeface="Calibri"/>
+              </a:rPr>
+              <a:t>Back-end</a:t>
+            </a:r>
+            <a:r>
+              <a:rPr lang="pt-PT" sz="2100" dirty="0">
+                <a:latin typeface="Arial"/>
+                <a:cs typeface="Calibri"/>
+              </a:rPr>
+              <a:t> (Ricardo)</a:t>
+            </a:r>
           </a:p>
         </p:txBody>
       </p:sp>

--- a/PresentationInception.pptx
+++ b/PresentationInception.pptx
@@ -124,6 +124,7 @@
 <p1510:revInfo xmlns:a="http://schemas.openxmlformats.org/drawingml/2006/main" xmlns:r="http://schemas.openxmlformats.org/officeDocument/2006/relationships" xmlns:p1510="http://schemas.microsoft.com/office/powerpoint/2015/10/main">
   <p1510:revLst>
     <p1510:client id="{2C46D093-A36C-484A-84BF-6AEE92932C45}" v="901" dt="2023-02-20T16:40:02.092"/>
+    <p1510:client id="{59DF4035-CED3-4F50-A2EC-BC671967EC67}" v="453" dt="2023-02-27T10:57:16.596"/>
     <p1510:client id="{9455531E-7C70-44B9-9CB2-A989D1F6EA3E}" v="121" dt="2023-02-25T10:59:59.083"/>
     <p1510:client id="{E8689AA9-963D-4E5D-BC31-AED3857307FA}" v="293" dt="2023-02-24T19:35:41.269"/>
     <p1510:client id="{F774C3CF-B91C-4A47-8C39-0B017DE20B1D}" v="260" dt="2023-02-20T16:59:19.588"/>
@@ -260,7 +261,7 @@
           <a:p>
             <a:fld id="{E431C0BB-DC71-4713-A787-95011EDB8CA8}" type="datetimeFigureOut">
               <a:rPr lang="pt-PT" smtClean="0"/>
-              <a:t>25/02/2023</a:t>
+              <a:t>27/02/2023</a:t>
             </a:fld>
             <a:endParaRPr lang="pt-PT"/>
           </a:p>
@@ -428,7 +429,7 @@
           <a:p>
             <a:fld id="{E431C0BB-DC71-4713-A787-95011EDB8CA8}" type="datetimeFigureOut">
               <a:rPr lang="pt-PT" smtClean="0"/>
-              <a:t>25/02/2023</a:t>
+              <a:t>27/02/2023</a:t>
             </a:fld>
             <a:endParaRPr lang="pt-PT"/>
           </a:p>
@@ -606,7 +607,7 @@
           <a:p>
             <a:fld id="{E431C0BB-DC71-4713-A787-95011EDB8CA8}" type="datetimeFigureOut">
               <a:rPr lang="pt-PT" smtClean="0"/>
-              <a:t>25/02/2023</a:t>
+              <a:t>27/02/2023</a:t>
             </a:fld>
             <a:endParaRPr lang="pt-PT"/>
           </a:p>
@@ -774,7 +775,7 @@
           <a:p>
             <a:fld id="{E431C0BB-DC71-4713-A787-95011EDB8CA8}" type="datetimeFigureOut">
               <a:rPr lang="pt-PT" smtClean="0"/>
-              <a:t>25/02/2023</a:t>
+              <a:t>27/02/2023</a:t>
             </a:fld>
             <a:endParaRPr lang="pt-PT"/>
           </a:p>
@@ -1019,7 +1020,7 @@
           <a:p>
             <a:fld id="{E431C0BB-DC71-4713-A787-95011EDB8CA8}" type="datetimeFigureOut">
               <a:rPr lang="pt-PT" smtClean="0"/>
-              <a:t>25/02/2023</a:t>
+              <a:t>27/02/2023</a:t>
             </a:fld>
             <a:endParaRPr lang="pt-PT"/>
           </a:p>
@@ -1248,7 +1249,7 @@
           <a:p>
             <a:fld id="{E431C0BB-DC71-4713-A787-95011EDB8CA8}" type="datetimeFigureOut">
               <a:rPr lang="pt-PT" smtClean="0"/>
-              <a:t>25/02/2023</a:t>
+              <a:t>27/02/2023</a:t>
             </a:fld>
             <a:endParaRPr lang="pt-PT"/>
           </a:p>
@@ -1612,7 +1613,7 @@
           <a:p>
             <a:fld id="{E431C0BB-DC71-4713-A787-95011EDB8CA8}" type="datetimeFigureOut">
               <a:rPr lang="pt-PT" smtClean="0"/>
-              <a:t>25/02/2023</a:t>
+              <a:t>27/02/2023</a:t>
             </a:fld>
             <a:endParaRPr lang="pt-PT"/>
           </a:p>
@@ -1729,7 +1730,7 @@
           <a:p>
             <a:fld id="{E431C0BB-DC71-4713-A787-95011EDB8CA8}" type="datetimeFigureOut">
               <a:rPr lang="pt-PT" smtClean="0"/>
-              <a:t>25/02/2023</a:t>
+              <a:t>27/02/2023</a:t>
             </a:fld>
             <a:endParaRPr lang="pt-PT"/>
           </a:p>
@@ -1824,7 +1825,7 @@
           <a:p>
             <a:fld id="{E431C0BB-DC71-4713-A787-95011EDB8CA8}" type="datetimeFigureOut">
               <a:rPr lang="pt-PT" smtClean="0"/>
-              <a:t>25/02/2023</a:t>
+              <a:t>27/02/2023</a:t>
             </a:fld>
             <a:endParaRPr lang="pt-PT"/>
           </a:p>
@@ -2099,7 +2100,7 @@
           <a:p>
             <a:fld id="{E431C0BB-DC71-4713-A787-95011EDB8CA8}" type="datetimeFigureOut">
               <a:rPr lang="pt-PT" smtClean="0"/>
-              <a:t>25/02/2023</a:t>
+              <a:t>27/02/2023</a:t>
             </a:fld>
             <a:endParaRPr lang="pt-PT"/>
           </a:p>
@@ -2351,7 +2352,7 @@
           <a:p>
             <a:fld id="{E431C0BB-DC71-4713-A787-95011EDB8CA8}" type="datetimeFigureOut">
               <a:rPr lang="pt-PT" smtClean="0"/>
-              <a:t>25/02/2023</a:t>
+              <a:t>27/02/2023</a:t>
             </a:fld>
             <a:endParaRPr lang="pt-PT"/>
           </a:p>
@@ -2562,7 +2563,7 @@
           <a:p>
             <a:fld id="{E431C0BB-DC71-4713-A787-95011EDB8CA8}" type="datetimeFigureOut">
               <a:rPr lang="pt-PT" smtClean="0"/>
-              <a:t>25/02/2023</a:t>
+              <a:t>27/02/2023</a:t>
             </a:fld>
             <a:endParaRPr lang="pt-PT"/>
           </a:p>
@@ -4891,8 +4892,14 @@
               </a:rPr>
               <a:t>solution</a:t>
             </a:r>
-            <a:endParaRPr lang="pt-PT">
+            <a:endParaRPr lang="pt-PT" dirty="0" err="1">
               <a:ea typeface="Calibri"/>
+              <a:cs typeface="Calibri"/>
+            </a:endParaRPr>
+          </a:p>
+          <a:p>
+            <a:endParaRPr lang="pt-PT" sz="2500" dirty="0">
+              <a:latin typeface="Arial"/>
               <a:cs typeface="Calibri"/>
             </a:endParaRPr>
           </a:p>
@@ -5375,13 +5382,12 @@
               </a:rPr>
               <a:t>solution</a:t>
             </a:r>
-            <a:r>
-              <a:rPr lang="pt-PT" sz="2500" dirty="0">
-                <a:latin typeface="Arial"/>
-                <a:cs typeface="Calibri"/>
-              </a:rPr>
-              <a:t> </a:t>
-            </a:r>
+          </a:p>
+          <a:p>
+            <a:endParaRPr lang="pt-PT" sz="2500" dirty="0">
+              <a:latin typeface="Arial"/>
+              <a:cs typeface="Calibri"/>
+            </a:endParaRPr>
           </a:p>
           <a:p>
             <a:r>
@@ -5907,7 +5913,7 @@
                 <a:latin typeface="Arial"/>
                 <a:cs typeface="Calibri"/>
               </a:rPr>
-              <a:t>14/03/2022 - 23/05/2023</a:t>
+              <a:t>14/03/2023 - 23/05/2023</a:t>
             </a:r>
             <a:endParaRPr lang="pt-PT" i="1">
               <a:latin typeface="Arial"/>
@@ -5956,15 +5962,13 @@
               </a:rPr>
               <a:t>product</a:t>
             </a:r>
-          </a:p>
-          <a:p>
             <a:r>
               <a:rPr lang="pt-PT" sz="2500" dirty="0">
                 <a:latin typeface="Arial"/>
                 <a:ea typeface="+mn-lt"/>
                 <a:cs typeface="+mn-lt"/>
               </a:rPr>
-              <a:t>Complete a </a:t>
+              <a:t>, </a:t>
             </a:r>
             <a:r>
               <a:rPr lang="pt-PT" sz="2500" dirty="0" err="1">
@@ -5988,17 +5992,103 @@
                 <a:ea typeface="+mn-lt"/>
                 <a:cs typeface="+mn-lt"/>
               </a:rPr>
-              <a:t>prototype</a:t>
-            </a:r>
-          </a:p>
-          <a:p>
-            <a:r>
-              <a:rPr lang="pt-PT" sz="2500" i="1" dirty="0">
+              <a:t>through</a:t>
+            </a:r>
+            <a:r>
+              <a:rPr lang="pt-PT" sz="2500" dirty="0">
                 <a:latin typeface="Arial"/>
                 <a:ea typeface="+mn-lt"/>
                 <a:cs typeface="+mn-lt"/>
               </a:rPr>
-              <a:t>11/04/2022 - </a:t>
+              <a:t> </a:t>
+            </a:r>
+            <a:r>
+              <a:rPr lang="pt-PT" sz="2500" dirty="0" err="1">
+                <a:latin typeface="Arial"/>
+                <a:ea typeface="+mn-lt"/>
+                <a:cs typeface="+mn-lt"/>
+              </a:rPr>
+              <a:t>iterations</a:t>
+            </a:r>
+            <a:endParaRPr lang="pt-PT" sz="2500" dirty="0">
+              <a:latin typeface="Arial"/>
+              <a:ea typeface="+mn-lt"/>
+              <a:cs typeface="+mn-lt"/>
+            </a:endParaRPr>
+          </a:p>
+          <a:p>
+            <a:r>
+              <a:rPr lang="pt-PT" sz="2500" dirty="0">
+                <a:latin typeface="Arial"/>
+                <a:ea typeface="+mn-lt"/>
+                <a:cs typeface="+mn-lt"/>
+              </a:rPr>
+              <a:t>Complete a </a:t>
+            </a:r>
+            <a:r>
+              <a:rPr lang="pt-PT" sz="2500" dirty="0" err="1">
+                <a:latin typeface="Arial"/>
+                <a:ea typeface="+mn-lt"/>
+                <a:cs typeface="+mn-lt"/>
+              </a:rPr>
+              <a:t>working</a:t>
+            </a:r>
+            <a:r>
+              <a:rPr lang="pt-PT" sz="2500" dirty="0">
+                <a:latin typeface="Arial"/>
+                <a:ea typeface="+mn-lt"/>
+                <a:cs typeface="+mn-lt"/>
+              </a:rPr>
+              <a:t> </a:t>
+            </a:r>
+            <a:r>
+              <a:rPr lang="pt-PT" sz="2500" dirty="0" err="1">
+                <a:latin typeface="Arial"/>
+                <a:ea typeface="+mn-lt"/>
+                <a:cs typeface="+mn-lt"/>
+              </a:rPr>
+              <a:t>prototype</a:t>
+            </a:r>
+            <a:r>
+              <a:rPr lang="pt-PT" sz="2500" dirty="0">
+                <a:latin typeface="Arial"/>
+                <a:ea typeface="+mn-lt"/>
+                <a:cs typeface="+mn-lt"/>
+              </a:rPr>
+              <a:t> (1st </a:t>
+            </a:r>
+            <a:r>
+              <a:rPr lang="pt-PT" sz="2500" dirty="0" err="1">
+                <a:latin typeface="Arial"/>
+                <a:ea typeface="+mn-lt"/>
+                <a:cs typeface="+mn-lt"/>
+              </a:rPr>
+              <a:t>iteration</a:t>
+            </a:r>
+            <a:r>
+              <a:rPr lang="pt-PT" sz="2500" dirty="0">
+                <a:latin typeface="Arial"/>
+                <a:ea typeface="+mn-lt"/>
+                <a:cs typeface="+mn-lt"/>
+              </a:rPr>
+              <a:t>)</a:t>
+            </a:r>
+          </a:p>
+          <a:p>
+            <a:endParaRPr lang="pt-PT" sz="2500" dirty="0">
+              <a:latin typeface="Arial"/>
+              <a:ea typeface="+mn-lt"/>
+              <a:cs typeface="+mn-lt"/>
+            </a:endParaRPr>
+          </a:p>
+          <a:p>
+            <a:r>
+              <a:rPr lang="pt-PT" sz="2500" i="1" dirty="0">
+                <a:latin typeface="Arial"/>
+                <a:ea typeface="+mn-lt"/>
+                <a:cs typeface="+mn-lt"/>
+              </a:rPr>
+              <a:t>11/04/2023 - </a:t>
             </a:r>
             <a:r>
               <a:rPr lang="pt-PT" sz="2500" i="1" dirty="0" err="1">
@@ -6059,6 +6149,109 @@
             <a:endParaRPr lang="pt-PT" sz="2500" i="1" dirty="0" err="1">
               <a:latin typeface="Arial"/>
               <a:ea typeface="Calibri"/>
+              <a:cs typeface="Calibri"/>
+            </a:endParaRPr>
+          </a:p>
+          <a:p>
+            <a:r>
+              <a:rPr lang="pt-PT" sz="2500" dirty="0" err="1">
+                <a:latin typeface="Arial"/>
+                <a:cs typeface="Calibri"/>
+              </a:rPr>
+              <a:t>Develop</a:t>
+            </a:r>
+            <a:r>
+              <a:rPr lang="pt-PT" sz="2500" dirty="0">
+                <a:latin typeface="Arial"/>
+                <a:cs typeface="Calibri"/>
+              </a:rPr>
+              <a:t> </a:t>
+            </a:r>
+            <a:r>
+              <a:rPr lang="pt-PT" sz="2500" dirty="0" err="1">
+                <a:latin typeface="Arial"/>
+                <a:cs typeface="Calibri"/>
+              </a:rPr>
+              <a:t>further</a:t>
+            </a:r>
+            <a:r>
+              <a:rPr lang="pt-PT" sz="2500" dirty="0">
+                <a:latin typeface="Arial"/>
+                <a:cs typeface="Calibri"/>
+              </a:rPr>
+              <a:t> </a:t>
+            </a:r>
+            <a:r>
+              <a:rPr lang="pt-PT" sz="2500" dirty="0" err="1">
+                <a:latin typeface="Arial"/>
+                <a:cs typeface="Calibri"/>
+              </a:rPr>
+              <a:t>iterations</a:t>
+            </a:r>
+            <a:r>
+              <a:rPr lang="pt-PT" sz="2500" dirty="0">
+                <a:latin typeface="Arial"/>
+                <a:cs typeface="Calibri"/>
+              </a:rPr>
+              <a:t> (2, </a:t>
+            </a:r>
+            <a:r>
+              <a:rPr lang="pt-PT" sz="2500" dirty="0" err="1">
+                <a:latin typeface="Arial"/>
+                <a:cs typeface="Calibri"/>
+              </a:rPr>
+              <a:t>maybe</a:t>
+            </a:r>
+            <a:r>
+              <a:rPr lang="pt-PT" sz="2500" dirty="0">
+                <a:latin typeface="Arial"/>
+                <a:cs typeface="Calibri"/>
+              </a:rPr>
+              <a:t> 3)</a:t>
+            </a:r>
+            <a:endParaRPr lang="pt-PT" sz="2500" i="1" dirty="0">
+              <a:latin typeface="Arial"/>
+              <a:cs typeface="Calibri"/>
+            </a:endParaRPr>
+          </a:p>
+          <a:p>
+            <a:r>
+              <a:rPr lang="pt-PT" sz="2500" dirty="0" err="1">
+                <a:latin typeface="Arial"/>
+                <a:cs typeface="Calibri"/>
+              </a:rPr>
+              <a:t>Implement</a:t>
+            </a:r>
+            <a:r>
+              <a:rPr lang="pt-PT" sz="2500" dirty="0">
+                <a:latin typeface="Arial"/>
+                <a:cs typeface="Calibri"/>
+              </a:rPr>
+              <a:t> </a:t>
+            </a:r>
+            <a:r>
+              <a:rPr lang="pt-PT" sz="2500" i="1" dirty="0" err="1">
+                <a:latin typeface="Arial"/>
+                <a:cs typeface="Calibri"/>
+              </a:rPr>
+              <a:t>all</a:t>
+            </a:r>
+            <a:r>
+              <a:rPr lang="pt-PT" sz="2500" i="1" dirty="0">
+                <a:latin typeface="Arial"/>
+                <a:cs typeface="Calibri"/>
+              </a:rPr>
+              <a:t> </a:t>
+            </a:r>
+            <a:r>
+              <a:rPr lang="pt-PT" sz="2500" dirty="0" err="1">
+                <a:latin typeface="Arial"/>
+                <a:cs typeface="Calibri"/>
+              </a:rPr>
+              <a:t>requirements</a:t>
+            </a:r>
+            <a:endParaRPr lang="pt-PT" sz="2500">
+              <a:latin typeface="Arial"/>
               <a:cs typeface="Calibri"/>
             </a:endParaRPr>
           </a:p>
@@ -6324,15 +6517,965 @@
             </a:endParaRPr>
           </a:p>
           <a:p>
+            <a:r>
+              <a:rPr lang="pt-PT" sz="2500" dirty="0" err="1">
+                <a:latin typeface="Arial"/>
+                <a:cs typeface="Calibri"/>
+              </a:rPr>
+              <a:t>Roll</a:t>
+            </a:r>
+            <a:r>
+              <a:rPr lang="pt-PT" sz="2500" dirty="0">
+                <a:latin typeface="Arial"/>
+                <a:cs typeface="Calibri"/>
+              </a:rPr>
+              <a:t> out a beta </a:t>
+            </a:r>
+            <a:r>
+              <a:rPr lang="pt-PT" sz="2500" dirty="0" err="1">
+                <a:latin typeface="Arial"/>
+                <a:cs typeface="Calibri"/>
+              </a:rPr>
+              <a:t>test</a:t>
+            </a:r>
+            <a:r>
+              <a:rPr lang="pt-PT" sz="2500" dirty="0">
+                <a:latin typeface="Arial"/>
+                <a:cs typeface="Calibri"/>
+              </a:rPr>
+              <a:t> </a:t>
+            </a:r>
+            <a:r>
+              <a:rPr lang="pt-PT" sz="2500" dirty="0" err="1">
+                <a:latin typeface="Arial"/>
+                <a:cs typeface="Calibri"/>
+              </a:rPr>
+              <a:t>of</a:t>
+            </a:r>
+            <a:r>
+              <a:rPr lang="pt-PT" sz="2500" dirty="0">
+                <a:latin typeface="Arial"/>
+                <a:cs typeface="Calibri"/>
+              </a:rPr>
+              <a:t> </a:t>
+            </a:r>
+            <a:r>
+              <a:rPr lang="pt-PT" sz="2500" dirty="0" err="1">
+                <a:latin typeface="Arial"/>
+                <a:cs typeface="Calibri"/>
+              </a:rPr>
+              <a:t>the</a:t>
+            </a:r>
+            <a:r>
+              <a:rPr lang="pt-PT" sz="2500" dirty="0">
+                <a:latin typeface="Arial"/>
+                <a:cs typeface="Calibri"/>
+              </a:rPr>
+              <a:t> software</a:t>
+            </a:r>
+            <a:endParaRPr lang="pt-PT" sz="2500" i="1" dirty="0">
+              <a:latin typeface="Arial"/>
+              <a:cs typeface="Calibri"/>
+            </a:endParaRPr>
+          </a:p>
+          <a:p>
+            <a:r>
+              <a:rPr lang="pt-PT" sz="2500" dirty="0" err="1">
+                <a:latin typeface="Arial"/>
+                <a:cs typeface="Calibri"/>
+              </a:rPr>
+              <a:t>Find</a:t>
+            </a:r>
+            <a:r>
+              <a:rPr lang="pt-PT" sz="2500" dirty="0">
+                <a:latin typeface="Arial"/>
+                <a:cs typeface="Calibri"/>
+              </a:rPr>
+              <a:t> </a:t>
+            </a:r>
+            <a:r>
+              <a:rPr lang="pt-PT" sz="2500" dirty="0" err="1">
+                <a:latin typeface="Arial"/>
+                <a:cs typeface="Calibri"/>
+              </a:rPr>
+              <a:t>and</a:t>
+            </a:r>
+            <a:r>
+              <a:rPr lang="pt-PT" sz="2500" dirty="0">
+                <a:latin typeface="Arial"/>
+                <a:cs typeface="Calibri"/>
+              </a:rPr>
+              <a:t> </a:t>
+            </a:r>
+            <a:r>
+              <a:rPr lang="pt-PT" sz="2500" dirty="0" err="1">
+                <a:latin typeface="Arial"/>
+                <a:cs typeface="Calibri"/>
+              </a:rPr>
+              <a:t>fix</a:t>
+            </a:r>
+            <a:r>
+              <a:rPr lang="pt-PT" sz="2500" dirty="0">
+                <a:latin typeface="Arial"/>
+                <a:cs typeface="Calibri"/>
+              </a:rPr>
+              <a:t> bugs, </a:t>
+            </a:r>
+            <a:r>
+              <a:rPr lang="pt-PT" sz="2500" dirty="0" err="1">
+                <a:latin typeface="Arial"/>
+                <a:cs typeface="Calibri"/>
+              </a:rPr>
+              <a:t>work</a:t>
+            </a:r>
+            <a:r>
+              <a:rPr lang="pt-PT" sz="2500" dirty="0">
+                <a:latin typeface="Arial"/>
+                <a:cs typeface="Calibri"/>
+              </a:rPr>
+              <a:t> </a:t>
+            </a:r>
+            <a:r>
+              <a:rPr lang="pt-PT" sz="2500" dirty="0" err="1">
+                <a:latin typeface="Arial"/>
+                <a:cs typeface="Calibri"/>
+              </a:rPr>
+              <a:t>with</a:t>
+            </a:r>
+            <a:r>
+              <a:rPr lang="pt-PT" sz="2500" dirty="0">
+                <a:latin typeface="Arial"/>
+                <a:cs typeface="Calibri"/>
+              </a:rPr>
+              <a:t> beta </a:t>
+            </a:r>
+            <a:r>
+              <a:rPr lang="pt-PT" sz="2500" dirty="0" err="1">
+                <a:latin typeface="Arial"/>
+                <a:cs typeface="Calibri"/>
+              </a:rPr>
+              <a:t>testers</a:t>
+            </a:r>
+            <a:r>
+              <a:rPr lang="pt-PT" sz="2500" dirty="0">
+                <a:latin typeface="Arial"/>
+                <a:cs typeface="Calibri"/>
+              </a:rPr>
+              <a:t> to </a:t>
+            </a:r>
+            <a:r>
+              <a:rPr lang="pt-PT" sz="2500" dirty="0" err="1">
+                <a:latin typeface="Arial"/>
+                <a:cs typeface="Calibri"/>
+              </a:rPr>
+              <a:t>enhance</a:t>
+            </a:r>
+            <a:r>
+              <a:rPr lang="pt-PT" sz="2500" dirty="0">
+                <a:latin typeface="Arial"/>
+                <a:cs typeface="Calibri"/>
+              </a:rPr>
+              <a:t> </a:t>
+            </a:r>
+            <a:r>
+              <a:rPr lang="pt-PT" sz="2500" dirty="0" err="1">
+                <a:latin typeface="Arial"/>
+                <a:cs typeface="Calibri"/>
+              </a:rPr>
+              <a:t>performace</a:t>
+            </a:r>
+            <a:r>
+              <a:rPr lang="pt-PT" sz="2500" dirty="0">
+                <a:latin typeface="Arial"/>
+                <a:cs typeface="Calibri"/>
+              </a:rPr>
+              <a:t> </a:t>
+            </a:r>
+            <a:r>
+              <a:rPr lang="pt-PT" sz="2500" dirty="0" err="1">
+                <a:latin typeface="Arial"/>
+                <a:cs typeface="Calibri"/>
+              </a:rPr>
+              <a:t>and</a:t>
+            </a:r>
+            <a:r>
+              <a:rPr lang="pt-PT" sz="2500" dirty="0">
+                <a:latin typeface="Arial"/>
+                <a:cs typeface="Calibri"/>
+              </a:rPr>
+              <a:t> </a:t>
+            </a:r>
+            <a:r>
+              <a:rPr lang="pt-PT" sz="2500" dirty="0" err="1">
+                <a:latin typeface="Arial"/>
+                <a:cs typeface="Calibri"/>
+              </a:rPr>
+              <a:t>usability</a:t>
+            </a:r>
+          </a:p>
+          <a:p>
+            <a:r>
+              <a:rPr lang="pt-PT" sz="2500" dirty="0" err="1">
+                <a:latin typeface="Arial"/>
+                <a:cs typeface="Calibri"/>
+              </a:rPr>
+              <a:t>Meet</a:t>
+            </a:r>
+            <a:r>
+              <a:rPr lang="pt-PT" sz="2500" dirty="0">
+                <a:latin typeface="Arial"/>
+                <a:cs typeface="Calibri"/>
+              </a:rPr>
+              <a:t> </a:t>
+            </a:r>
+            <a:r>
+              <a:rPr lang="pt-PT" sz="2500" dirty="0" err="1">
+                <a:latin typeface="Arial"/>
+                <a:cs typeface="Calibri"/>
+              </a:rPr>
+              <a:t>with</a:t>
+            </a:r>
+            <a:r>
+              <a:rPr lang="pt-PT" sz="2500" dirty="0">
+                <a:latin typeface="Arial"/>
+                <a:cs typeface="Calibri"/>
+              </a:rPr>
+              <a:t> </a:t>
+            </a:r>
+            <a:r>
+              <a:rPr lang="pt-PT" sz="2500" dirty="0" err="1">
+                <a:latin typeface="Arial"/>
+                <a:cs typeface="Calibri"/>
+              </a:rPr>
+              <a:t>project</a:t>
+            </a:r>
+            <a:r>
+              <a:rPr lang="pt-PT" sz="2500" dirty="0">
+                <a:latin typeface="Arial"/>
+                <a:cs typeface="Calibri"/>
+              </a:rPr>
+              <a:t> </a:t>
+            </a:r>
+            <a:r>
+              <a:rPr lang="pt-PT" sz="2500" dirty="0" err="1">
+                <a:latin typeface="Arial"/>
+                <a:cs typeface="Calibri"/>
+              </a:rPr>
+              <a:t>teacher</a:t>
+            </a:r>
+            <a:r>
+              <a:rPr lang="pt-PT" sz="2500" dirty="0">
+                <a:latin typeface="Arial"/>
+                <a:cs typeface="Calibri"/>
+              </a:rPr>
+              <a:t>, </a:t>
+            </a:r>
+            <a:r>
+              <a:rPr lang="pt-PT" sz="2500" dirty="0" err="1">
+                <a:latin typeface="Arial"/>
+                <a:cs typeface="Calibri"/>
+              </a:rPr>
+              <a:t>our</a:t>
+            </a:r>
+            <a:r>
+              <a:rPr lang="pt-PT" sz="2500" dirty="0">
+                <a:latin typeface="Arial"/>
+                <a:cs typeface="Calibri"/>
+              </a:rPr>
+              <a:t> </a:t>
+            </a:r>
+            <a:r>
+              <a:rPr lang="pt-PT" sz="2500" dirty="0" err="1">
+                <a:latin typeface="Arial"/>
+                <a:cs typeface="Calibri"/>
+              </a:rPr>
+              <a:t>client</a:t>
+            </a:r>
+            <a:r>
+              <a:rPr lang="pt-PT" sz="2500" dirty="0">
+                <a:latin typeface="Arial"/>
+                <a:cs typeface="Calibri"/>
+              </a:rPr>
+              <a:t>, to </a:t>
+            </a:r>
+            <a:r>
+              <a:rPr lang="pt-PT" sz="2500" dirty="0" err="1">
+                <a:latin typeface="Arial"/>
+                <a:cs typeface="Calibri"/>
+              </a:rPr>
+              <a:t>assess</a:t>
+            </a:r>
+            <a:r>
+              <a:rPr lang="pt-PT" sz="2500" dirty="0">
+                <a:latin typeface="Arial"/>
+                <a:cs typeface="Calibri"/>
+              </a:rPr>
+              <a:t> </a:t>
+            </a:r>
+            <a:r>
+              <a:rPr lang="pt-PT" sz="2500" dirty="0" err="1">
+                <a:latin typeface="Arial"/>
+                <a:cs typeface="Calibri"/>
+              </a:rPr>
+              <a:t>if</a:t>
+            </a:r>
+            <a:r>
+              <a:rPr lang="pt-PT" sz="2500" dirty="0">
+                <a:latin typeface="Arial"/>
+                <a:cs typeface="Calibri"/>
+              </a:rPr>
+              <a:t> </a:t>
+            </a:r>
+            <a:r>
+              <a:rPr lang="pt-PT" sz="2500" dirty="0" err="1">
+                <a:latin typeface="Arial"/>
+                <a:cs typeface="Calibri"/>
+              </a:rPr>
+              <a:t>product</a:t>
+            </a:r>
+            <a:r>
+              <a:rPr lang="pt-PT" sz="2500" dirty="0">
+                <a:latin typeface="Arial"/>
+                <a:cs typeface="Calibri"/>
+              </a:rPr>
+              <a:t> </a:t>
+            </a:r>
+            <a:r>
+              <a:rPr lang="pt-PT" sz="2500" dirty="0" err="1">
+                <a:latin typeface="Arial"/>
+                <a:cs typeface="Calibri"/>
+              </a:rPr>
+              <a:t>meets</a:t>
+            </a:r>
+            <a:r>
+              <a:rPr lang="pt-PT" sz="2500" dirty="0">
+                <a:latin typeface="Arial"/>
+                <a:cs typeface="Calibri"/>
+              </a:rPr>
+              <a:t> </a:t>
+            </a:r>
+            <a:r>
+              <a:rPr lang="pt-PT" sz="2500" dirty="0" err="1">
+                <a:latin typeface="Arial"/>
+                <a:cs typeface="Calibri"/>
+              </a:rPr>
+              <a:t>demands</a:t>
+            </a:r>
+            <a:endParaRPr lang="pt-PT" sz="2500">
+              <a:latin typeface="Arial"/>
+              <a:cs typeface="Calibri"/>
+            </a:endParaRPr>
+          </a:p>
+          <a:p>
+            <a:r>
+              <a:rPr lang="pt-PT" sz="2500" dirty="0" err="1">
+                <a:latin typeface="Arial"/>
+                <a:cs typeface="Calibri"/>
+              </a:rPr>
+              <a:t>Write</a:t>
+            </a:r>
+            <a:r>
+              <a:rPr lang="pt-PT" sz="2500" dirty="0">
+                <a:latin typeface="Arial"/>
+                <a:cs typeface="Calibri"/>
+              </a:rPr>
+              <a:t> </a:t>
+            </a:r>
+            <a:r>
+              <a:rPr lang="pt-PT" sz="2500" dirty="0" err="1">
+                <a:latin typeface="Arial"/>
+                <a:cs typeface="Calibri"/>
+              </a:rPr>
+              <a:t>documentation</a:t>
+            </a:r>
+            <a:r>
+              <a:rPr lang="pt-PT" sz="2500" dirty="0">
+                <a:latin typeface="Arial"/>
+                <a:cs typeface="Calibri"/>
+              </a:rPr>
+              <a:t> to improve future </a:t>
+            </a:r>
+            <a:r>
+              <a:rPr lang="pt-PT" sz="2500" dirty="0" err="1">
+                <a:latin typeface="Arial"/>
+                <a:cs typeface="Calibri"/>
+              </a:rPr>
+              <a:t>work</a:t>
+            </a:r>
+            <a:r>
+              <a:rPr lang="pt-PT" sz="2500" dirty="0">
+                <a:latin typeface="Arial"/>
+                <a:cs typeface="Calibri"/>
+              </a:rPr>
+              <a:t> </a:t>
+            </a:r>
+            <a:r>
+              <a:rPr lang="pt-PT" sz="2500" dirty="0" err="1">
+                <a:latin typeface="Arial"/>
+                <a:cs typeface="Calibri"/>
+              </a:rPr>
+              <a:t>on</a:t>
+            </a:r>
+            <a:r>
+              <a:rPr lang="pt-PT" sz="2500" dirty="0">
+                <a:latin typeface="Arial"/>
+                <a:cs typeface="Calibri"/>
+              </a:rPr>
+              <a:t> </a:t>
+            </a:r>
+            <a:r>
+              <a:rPr lang="pt-PT" sz="2500" dirty="0" err="1">
+                <a:latin typeface="Arial"/>
+                <a:cs typeface="Calibri"/>
+              </a:rPr>
+              <a:t>the</a:t>
+            </a:r>
+            <a:r>
+              <a:rPr lang="pt-PT" sz="2500" dirty="0">
+                <a:latin typeface="Arial"/>
+                <a:cs typeface="Calibri"/>
+              </a:rPr>
+              <a:t> </a:t>
+            </a:r>
+            <a:r>
+              <a:rPr lang="pt-PT" sz="2500" dirty="0" err="1">
+                <a:latin typeface="Arial"/>
+                <a:cs typeface="Calibri"/>
+              </a:rPr>
+              <a:t>project</a:t>
+            </a:r>
+            <a:r>
+              <a:rPr lang="pt-PT" sz="2500" dirty="0">
+                <a:latin typeface="Arial"/>
+                <a:cs typeface="Calibri"/>
+              </a:rPr>
+              <a:t> </a:t>
+            </a:r>
+            <a:r>
+              <a:rPr lang="pt-PT" sz="2500" dirty="0" err="1">
+                <a:latin typeface="Arial"/>
+                <a:cs typeface="Calibri"/>
+              </a:rPr>
+              <a:t>by</a:t>
+            </a:r>
+            <a:r>
+              <a:rPr lang="pt-PT" sz="2500" dirty="0">
+                <a:latin typeface="Arial"/>
+                <a:cs typeface="Calibri"/>
+              </a:rPr>
+              <a:t> </a:t>
+            </a:r>
+            <a:r>
+              <a:rPr lang="pt-PT" sz="2500" dirty="0" err="1">
+                <a:latin typeface="Arial"/>
+                <a:cs typeface="Calibri"/>
+              </a:rPr>
+              <a:t>others</a:t>
+            </a:r>
+            <a:r>
+              <a:rPr lang="pt-PT" sz="2500" dirty="0">
+                <a:latin typeface="Arial"/>
+                <a:cs typeface="Calibri"/>
+              </a:rPr>
+              <a:t> </a:t>
+            </a:r>
+            <a:r>
+              <a:rPr lang="pt-PT" sz="2500" dirty="0" err="1">
+                <a:latin typeface="Arial"/>
+                <a:cs typeface="Calibri"/>
+              </a:rPr>
+              <a:t>and</a:t>
+            </a:r>
+            <a:r>
+              <a:rPr lang="pt-PT" sz="2500" dirty="0">
+                <a:latin typeface="Arial"/>
+                <a:cs typeface="Calibri"/>
+              </a:rPr>
+              <a:t> to </a:t>
+            </a:r>
+            <a:r>
+              <a:rPr lang="pt-PT" sz="2500" dirty="0" err="1">
+                <a:latin typeface="Arial"/>
+                <a:cs typeface="Calibri"/>
+              </a:rPr>
+              <a:t>better</a:t>
+            </a:r>
+            <a:r>
+              <a:rPr lang="pt-PT" sz="2500" dirty="0">
+                <a:latin typeface="Arial"/>
+                <a:cs typeface="Calibri"/>
+              </a:rPr>
+              <a:t> </a:t>
+            </a:r>
+            <a:r>
+              <a:rPr lang="pt-PT" sz="2500" dirty="0" err="1">
+                <a:latin typeface="Arial"/>
+                <a:cs typeface="Calibri"/>
+              </a:rPr>
+              <a:t>equip</a:t>
+            </a:r>
+            <a:r>
+              <a:rPr lang="pt-PT" sz="2500" dirty="0">
+                <a:latin typeface="Arial"/>
+                <a:cs typeface="Calibri"/>
+              </a:rPr>
+              <a:t> </a:t>
+            </a:r>
+            <a:r>
+              <a:rPr lang="pt-PT" sz="2500" dirty="0" err="1">
+                <a:latin typeface="Arial"/>
+                <a:cs typeface="Calibri"/>
+              </a:rPr>
+              <a:t>the</a:t>
+            </a:r>
+            <a:r>
+              <a:rPr lang="pt-PT" sz="2500" dirty="0">
+                <a:latin typeface="Arial"/>
+                <a:cs typeface="Calibri"/>
+              </a:rPr>
+              <a:t> </a:t>
+            </a:r>
+            <a:r>
+              <a:rPr lang="pt-PT" sz="2500" dirty="0" err="1">
+                <a:latin typeface="Arial"/>
+                <a:cs typeface="Calibri"/>
+              </a:rPr>
+              <a:t>users</a:t>
+            </a:r>
+            <a:r>
+              <a:rPr lang="pt-PT" sz="2500" dirty="0">
+                <a:latin typeface="Arial"/>
+                <a:cs typeface="Calibri"/>
+              </a:rPr>
+              <a:t> to use </a:t>
+            </a:r>
+            <a:r>
+              <a:rPr lang="pt-PT" sz="2500" dirty="0" err="1">
+                <a:latin typeface="Arial"/>
+                <a:cs typeface="Calibri"/>
+              </a:rPr>
+              <a:t>the</a:t>
+            </a:r>
+            <a:r>
+              <a:rPr lang="pt-PT" sz="2500" dirty="0">
+                <a:latin typeface="Arial"/>
+                <a:cs typeface="Calibri"/>
+              </a:rPr>
+              <a:t> </a:t>
+            </a:r>
+            <a:r>
+              <a:rPr lang="pt-PT" sz="2500" dirty="0" err="1">
+                <a:latin typeface="Arial"/>
+                <a:cs typeface="Calibri"/>
+              </a:rPr>
+              <a:t>product</a:t>
+            </a:r>
+            <a:r>
+              <a:rPr lang="pt-PT" sz="2500" dirty="0">
+                <a:latin typeface="Arial"/>
+                <a:cs typeface="Calibri"/>
+              </a:rPr>
+              <a:t> to </a:t>
+            </a:r>
+            <a:r>
+              <a:rPr lang="pt-PT" sz="2500" dirty="0" err="1">
+                <a:latin typeface="Arial"/>
+                <a:cs typeface="Calibri"/>
+              </a:rPr>
+              <a:t>its</a:t>
+            </a:r>
+            <a:r>
+              <a:rPr lang="pt-PT" sz="2500" dirty="0">
+                <a:latin typeface="Arial"/>
+                <a:cs typeface="Calibri"/>
+              </a:rPr>
+              <a:t> </a:t>
+            </a:r>
+            <a:r>
+              <a:rPr lang="pt-PT" sz="2500" dirty="0" err="1">
+                <a:latin typeface="Arial"/>
+                <a:cs typeface="Calibri"/>
+              </a:rPr>
+              <a:t>full</a:t>
+            </a:r>
+            <a:r>
+              <a:rPr lang="pt-PT" sz="2500" dirty="0">
+                <a:latin typeface="Arial"/>
+                <a:cs typeface="Calibri"/>
+              </a:rPr>
+              <a:t> </a:t>
+            </a:r>
+            <a:r>
+              <a:rPr lang="pt-PT" sz="2500" dirty="0" err="1">
+                <a:latin typeface="Arial"/>
+                <a:cs typeface="Calibri"/>
+              </a:rPr>
+              <a:t>potential</a:t>
+            </a:r>
+            <a:endParaRPr lang="pt-PT" sz="2500">
+              <a:latin typeface="Arial"/>
+              <a:cs typeface="Calibri"/>
+            </a:endParaRPr>
+          </a:p>
+          <a:p>
             <a:endParaRPr lang="pt-PT" sz="2500" dirty="0">
               <a:latin typeface="Arial"/>
               <a:cs typeface="Calibri"/>
             </a:endParaRPr>
           </a:p>
           <a:p>
-            <a:endParaRPr lang="pt-PT" dirty="0">
-              <a:cs typeface="Calibri"/>
+            <a:r>
+              <a:rPr lang="pt-PT" dirty="0">
+                <a:latin typeface="Arial"/>
+                <a:cs typeface="Arial"/>
+              </a:rPr>
+              <a:t>Module: </a:t>
+            </a:r>
+            <a:r>
+              <a:rPr lang="pt-PT" dirty="0" err="1">
+                <a:latin typeface="Arial"/>
+                <a:cs typeface="Arial"/>
+              </a:rPr>
+              <a:t>Documentation</a:t>
+            </a:r>
+            <a:endParaRPr lang="pt-PT" dirty="0" err="1">
+              <a:latin typeface="Arial"/>
+              <a:ea typeface="+mn-lt"/>
+              <a:cs typeface="Arial"/>
             </a:endParaRPr>
+          </a:p>
+          <a:p>
+            <a:pPr lvl="1"/>
+            <a:r>
+              <a:rPr lang="pt-PT" dirty="0" err="1">
+                <a:latin typeface="Arial"/>
+                <a:cs typeface="Arial"/>
+              </a:rPr>
+              <a:t>Task</a:t>
+            </a:r>
+            <a:r>
+              <a:rPr lang="pt-PT" dirty="0">
+                <a:latin typeface="Arial"/>
+                <a:cs typeface="Arial"/>
+              </a:rPr>
+              <a:t> 1: </a:t>
+            </a:r>
+            <a:r>
+              <a:rPr lang="pt-PT" dirty="0" err="1">
+                <a:latin typeface="Arial"/>
+                <a:cs typeface="Arial"/>
+              </a:rPr>
+              <a:t>Documentation</a:t>
+            </a:r>
+            <a:r>
+              <a:rPr lang="pt-PT" dirty="0">
+                <a:latin typeface="Arial"/>
+                <a:cs typeface="Arial"/>
+              </a:rPr>
+              <a:t> </a:t>
+            </a:r>
+            <a:r>
+              <a:rPr lang="pt-PT" dirty="0" err="1">
+                <a:latin typeface="Arial"/>
+                <a:cs typeface="Arial"/>
+              </a:rPr>
+              <a:t>of</a:t>
+            </a:r>
+            <a:r>
+              <a:rPr lang="pt-PT" dirty="0">
+                <a:latin typeface="Arial"/>
+                <a:cs typeface="Arial"/>
+              </a:rPr>
+              <a:t> </a:t>
+            </a:r>
+            <a:r>
+              <a:rPr lang="pt-PT" dirty="0" err="1">
+                <a:latin typeface="Arial"/>
+                <a:cs typeface="Arial"/>
+              </a:rPr>
+              <a:t>Language</a:t>
+            </a:r>
+            <a:r>
+              <a:rPr lang="pt-PT" dirty="0">
+                <a:latin typeface="Arial"/>
+                <a:cs typeface="Arial"/>
+              </a:rPr>
+              <a:t> </a:t>
+            </a:r>
+            <a:r>
+              <a:rPr lang="pt-PT" dirty="0" err="1">
+                <a:latin typeface="Arial"/>
+                <a:cs typeface="Arial"/>
+              </a:rPr>
+              <a:t>Models</a:t>
+            </a:r>
+            <a:r>
+              <a:rPr lang="pt-PT" dirty="0">
+                <a:latin typeface="Arial"/>
+                <a:cs typeface="Arial"/>
+              </a:rPr>
+              <a:t> </a:t>
+            </a:r>
+            <a:r>
+              <a:rPr lang="pt-PT" dirty="0" err="1">
+                <a:latin typeface="Arial"/>
+                <a:cs typeface="Arial"/>
+              </a:rPr>
+              <a:t>and</a:t>
+            </a:r>
+            <a:r>
+              <a:rPr lang="pt-PT" dirty="0">
+                <a:latin typeface="Arial"/>
+                <a:cs typeface="Arial"/>
+              </a:rPr>
+              <a:t> </a:t>
+            </a:r>
+            <a:r>
+              <a:rPr lang="pt-PT" dirty="0" err="1">
+                <a:latin typeface="Arial"/>
+                <a:cs typeface="Arial"/>
+              </a:rPr>
+              <a:t>how</a:t>
+            </a:r>
+            <a:r>
+              <a:rPr lang="pt-PT" dirty="0">
+                <a:latin typeface="Arial"/>
+                <a:cs typeface="Arial"/>
+              </a:rPr>
+              <a:t> </a:t>
+            </a:r>
+            <a:r>
+              <a:rPr lang="pt-PT" dirty="0" err="1">
+                <a:latin typeface="Arial"/>
+                <a:cs typeface="Arial"/>
+              </a:rPr>
+              <a:t>they</a:t>
+            </a:r>
+            <a:r>
+              <a:rPr lang="pt-PT" dirty="0">
+                <a:latin typeface="Arial"/>
+                <a:cs typeface="Arial"/>
+              </a:rPr>
+              <a:t> </a:t>
+            </a:r>
+            <a:r>
+              <a:rPr lang="pt-PT" dirty="0" err="1">
+                <a:latin typeface="Arial"/>
+                <a:cs typeface="Arial"/>
+              </a:rPr>
+              <a:t>interact</a:t>
+            </a:r>
+            <a:r>
+              <a:rPr lang="pt-PT" dirty="0">
+                <a:latin typeface="Arial"/>
+                <a:cs typeface="Arial"/>
+              </a:rPr>
+              <a:t> </a:t>
+            </a:r>
+            <a:r>
+              <a:rPr lang="pt-PT" dirty="0" err="1">
+                <a:latin typeface="Arial"/>
+                <a:cs typeface="Arial"/>
+              </a:rPr>
+              <a:t>with</a:t>
+            </a:r>
+            <a:r>
+              <a:rPr lang="pt-PT" dirty="0">
+                <a:latin typeface="Arial"/>
+                <a:cs typeface="Arial"/>
+              </a:rPr>
+              <a:t> </a:t>
+            </a:r>
+            <a:r>
+              <a:rPr lang="pt-PT" dirty="0" err="1">
+                <a:latin typeface="Arial"/>
+                <a:cs typeface="Arial"/>
+              </a:rPr>
+              <a:t>the</a:t>
+            </a:r>
+            <a:r>
+              <a:rPr lang="pt-PT" dirty="0">
+                <a:latin typeface="Arial"/>
+                <a:cs typeface="Arial"/>
+              </a:rPr>
+              <a:t> </a:t>
+            </a:r>
+            <a:r>
+              <a:rPr lang="pt-PT" dirty="0" err="1">
+                <a:latin typeface="Arial"/>
+                <a:cs typeface="Arial"/>
+              </a:rPr>
+              <a:t>product</a:t>
+            </a:r>
+            <a:r>
+              <a:rPr lang="pt-PT" dirty="0">
+                <a:latin typeface="Arial"/>
+                <a:cs typeface="Arial"/>
+              </a:rPr>
+              <a:t>, </a:t>
+            </a:r>
+            <a:r>
+              <a:rPr lang="pt-PT" dirty="0" err="1">
+                <a:latin typeface="Arial"/>
+                <a:cs typeface="Arial"/>
+              </a:rPr>
+              <a:t>intended</a:t>
+            </a:r>
+            <a:r>
+              <a:rPr lang="pt-PT" dirty="0">
+                <a:latin typeface="Arial"/>
+                <a:cs typeface="Arial"/>
+              </a:rPr>
+              <a:t> for </a:t>
+            </a:r>
+            <a:r>
+              <a:rPr lang="pt-PT" dirty="0" err="1">
+                <a:latin typeface="Arial"/>
+                <a:cs typeface="Arial"/>
+              </a:rPr>
+              <a:t>programmers</a:t>
+            </a:r>
+            <a:r>
+              <a:rPr lang="pt-PT" dirty="0">
+                <a:latin typeface="Arial"/>
+                <a:cs typeface="Arial"/>
+              </a:rPr>
+              <a:t> (Alexandre)</a:t>
+            </a:r>
+            <a:endParaRPr lang="en-US" dirty="0">
+              <a:ea typeface="+mn-lt"/>
+              <a:cs typeface="+mn-lt"/>
+            </a:endParaRPr>
+          </a:p>
+          <a:p>
+            <a:pPr lvl="1"/>
+            <a:r>
+              <a:rPr lang="pt-PT" dirty="0" err="1">
+                <a:latin typeface="Arial"/>
+                <a:cs typeface="Arial"/>
+              </a:rPr>
+              <a:t>Task</a:t>
+            </a:r>
+            <a:r>
+              <a:rPr lang="pt-PT" dirty="0">
+                <a:latin typeface="Arial"/>
+                <a:cs typeface="Arial"/>
+              </a:rPr>
+              <a:t> 2: </a:t>
+            </a:r>
+            <a:r>
+              <a:rPr lang="pt-PT" dirty="0" err="1">
+                <a:latin typeface="Arial"/>
+                <a:cs typeface="Arial"/>
+              </a:rPr>
+              <a:t>Documentation</a:t>
+            </a:r>
+            <a:r>
+              <a:rPr lang="pt-PT" dirty="0">
+                <a:latin typeface="Arial"/>
+                <a:cs typeface="Arial"/>
+              </a:rPr>
+              <a:t> </a:t>
+            </a:r>
+            <a:r>
+              <a:rPr lang="pt-PT" dirty="0" err="1">
+                <a:latin typeface="Arial"/>
+                <a:cs typeface="Arial"/>
+              </a:rPr>
+              <a:t>of</a:t>
+            </a:r>
+            <a:r>
+              <a:rPr lang="pt-PT" dirty="0">
+                <a:latin typeface="Arial"/>
+                <a:cs typeface="Arial"/>
+              </a:rPr>
+              <a:t> </a:t>
+            </a:r>
+            <a:r>
+              <a:rPr lang="pt-PT" dirty="0" err="1">
+                <a:latin typeface="Arial"/>
+                <a:cs typeface="Arial"/>
+              </a:rPr>
+              <a:t>extension</a:t>
+            </a:r>
+            <a:r>
+              <a:rPr lang="pt-PT" dirty="0">
+                <a:latin typeface="Arial"/>
+                <a:cs typeface="Arial"/>
+              </a:rPr>
+              <a:t> </a:t>
+            </a:r>
+            <a:r>
+              <a:rPr lang="pt-PT" dirty="0" err="1">
+                <a:latin typeface="Arial"/>
+                <a:cs typeface="Arial"/>
+              </a:rPr>
+              <a:t>and</a:t>
+            </a:r>
+            <a:r>
+              <a:rPr lang="pt-PT" dirty="0">
+                <a:latin typeface="Arial"/>
+                <a:cs typeface="Arial"/>
+              </a:rPr>
+              <a:t> </a:t>
+            </a:r>
+            <a:r>
+              <a:rPr lang="pt-PT" dirty="0" err="1">
+                <a:latin typeface="Arial"/>
+                <a:cs typeface="Arial"/>
+              </a:rPr>
+              <a:t>how</a:t>
+            </a:r>
+            <a:r>
+              <a:rPr lang="pt-PT" dirty="0">
+                <a:latin typeface="Arial"/>
+                <a:cs typeface="Arial"/>
+              </a:rPr>
+              <a:t> to use </a:t>
+            </a:r>
+            <a:r>
+              <a:rPr lang="pt-PT" dirty="0" err="1">
+                <a:latin typeface="Arial"/>
+                <a:cs typeface="Arial"/>
+              </a:rPr>
+              <a:t>it</a:t>
+            </a:r>
+            <a:r>
+              <a:rPr lang="pt-PT" dirty="0">
+                <a:latin typeface="Arial"/>
+                <a:cs typeface="Arial"/>
+              </a:rPr>
+              <a:t>, </a:t>
+            </a:r>
+            <a:r>
+              <a:rPr lang="pt-PT" dirty="0" err="1">
+                <a:latin typeface="Arial"/>
+                <a:cs typeface="Arial"/>
+              </a:rPr>
+              <a:t>intended</a:t>
+            </a:r>
+            <a:r>
+              <a:rPr lang="pt-PT" dirty="0">
+                <a:latin typeface="Arial"/>
+                <a:cs typeface="Arial"/>
+              </a:rPr>
+              <a:t> for </a:t>
+            </a:r>
+            <a:r>
+              <a:rPr lang="pt-PT" dirty="0" err="1">
+                <a:latin typeface="Arial"/>
+                <a:cs typeface="Arial"/>
+              </a:rPr>
+              <a:t>users</a:t>
+            </a:r>
+            <a:r>
+              <a:rPr lang="pt-PT" dirty="0">
+                <a:latin typeface="Arial"/>
+                <a:cs typeface="Arial"/>
+              </a:rPr>
+              <a:t> (Ricardo)</a:t>
+            </a:r>
+            <a:endParaRPr lang="pt-PT" dirty="0"/>
           </a:p>
           <a:p>
             <a:endParaRPr lang="pt-PT" dirty="0">

--- a/PresentationInception.pptx
+++ b/PresentationInception.pptx
@@ -123,6 +123,7 @@
 <file path=ppt/revisionInfo.xml><?xml version="1.0" encoding="utf-8"?>
 <p1510:revInfo xmlns:a="http://schemas.openxmlformats.org/drawingml/2006/main" xmlns:r="http://schemas.openxmlformats.org/officeDocument/2006/relationships" xmlns:p1510="http://schemas.microsoft.com/office/powerpoint/2015/10/main">
   <p1510:revLst>
+    <p1510:client id="{2B25416B-F551-49CF-A4EA-5A18566E5022}" v="149" dt="2023-02-28T00:33:54.125"/>
     <p1510:client id="{2C46D093-A36C-484A-84BF-6AEE92932C45}" v="901" dt="2023-02-20T16:40:02.092"/>
     <p1510:client id="{59DF4035-CED3-4F50-A2EC-BC671967EC67}" v="453" dt="2023-02-27T10:57:16.596"/>
     <p1510:client id="{9455531E-7C70-44B9-9CB2-A989D1F6EA3E}" v="121" dt="2023-02-25T10:59:59.083"/>
@@ -6339,12 +6340,175 @@
             </a:endParaRPr>
           </a:p>
           <a:p>
+            <a:endParaRPr lang="pt-PT" sz="2500" dirty="0">
+              <a:latin typeface="Arial"/>
+              <a:cs typeface="Arial"/>
+            </a:endParaRPr>
+          </a:p>
+          <a:p>
+            <a:r>
+              <a:rPr lang="pt-PT" sz="2500" dirty="0">
+                <a:latin typeface="Arial"/>
+                <a:cs typeface="Arial"/>
+              </a:rPr>
+              <a:t>Modules: </a:t>
+            </a:r>
+            <a:r>
+              <a:rPr lang="pt-PT" sz="2500" dirty="0" err="1">
+                <a:latin typeface="Arial"/>
+                <a:cs typeface="Arial"/>
+              </a:rPr>
+              <a:t>Programming</a:t>
+            </a:r>
+            <a:r>
+              <a:rPr lang="pt-PT" sz="2500" dirty="0">
+                <a:latin typeface="Arial"/>
+                <a:cs typeface="Arial"/>
+              </a:rPr>
+              <a:t> </a:t>
+            </a:r>
+            <a:r>
+              <a:rPr lang="pt-PT" sz="2500" dirty="0" err="1">
+                <a:latin typeface="Arial"/>
+                <a:cs typeface="Arial"/>
+              </a:rPr>
+              <a:t>the</a:t>
+            </a:r>
+            <a:r>
+              <a:rPr lang="pt-PT" sz="2500" dirty="0">
+                <a:latin typeface="Arial"/>
+                <a:cs typeface="Arial"/>
+              </a:rPr>
+              <a:t> AI</a:t>
+            </a:r>
+          </a:p>
+          <a:p>
+            <a:pPr lvl="1"/>
+            <a:r>
+              <a:rPr lang="pt-PT" sz="2100" dirty="0" err="1">
+                <a:latin typeface="Arial"/>
+                <a:ea typeface="Calibri" panose="020F0502020204030204"/>
+                <a:cs typeface="Arial"/>
+              </a:rPr>
+              <a:t>Task</a:t>
+            </a:r>
+            <a:r>
+              <a:rPr lang="pt-PT" sz="2100" dirty="0">
+                <a:latin typeface="Arial"/>
+                <a:ea typeface="Calibri" panose="020F0502020204030204"/>
+                <a:cs typeface="Arial"/>
+              </a:rPr>
+              <a:t> 1: </a:t>
+            </a:r>
+            <a:r>
+              <a:rPr lang="pt-PT" sz="2100" dirty="0" err="1">
+                <a:latin typeface="Arial"/>
+                <a:ea typeface="Calibri" panose="020F0502020204030204"/>
+                <a:cs typeface="Arial"/>
+              </a:rPr>
+              <a:t>Interfacing</a:t>
+            </a:r>
+            <a:r>
+              <a:rPr lang="pt-PT" sz="2100" dirty="0">
+                <a:latin typeface="Arial"/>
+                <a:ea typeface="Calibri" panose="020F0502020204030204"/>
+                <a:cs typeface="Arial"/>
+              </a:rPr>
+              <a:t> </a:t>
+            </a:r>
+            <a:r>
+              <a:rPr lang="pt-PT" sz="2100" dirty="0" err="1">
+                <a:latin typeface="Arial"/>
+                <a:ea typeface="Calibri" panose="020F0502020204030204"/>
+                <a:cs typeface="Arial"/>
+              </a:rPr>
+              <a:t>LMs</a:t>
+            </a:r>
+            <a:r>
+              <a:rPr lang="pt-PT" sz="2100" dirty="0">
+                <a:latin typeface="Arial"/>
+                <a:ea typeface="Calibri" panose="020F0502020204030204"/>
+                <a:cs typeface="Arial"/>
+              </a:rPr>
+              <a:t> </a:t>
+            </a:r>
+            <a:r>
+              <a:rPr lang="pt-PT" sz="2100" dirty="0" err="1">
+                <a:latin typeface="Arial"/>
+                <a:ea typeface="Calibri" panose="020F0502020204030204"/>
+                <a:cs typeface="Arial"/>
+              </a:rPr>
+              <a:t>with</a:t>
+            </a:r>
+            <a:r>
+              <a:rPr lang="pt-PT" sz="2100" dirty="0">
+                <a:latin typeface="Arial"/>
+                <a:ea typeface="Calibri" panose="020F0502020204030204"/>
+                <a:cs typeface="Arial"/>
+              </a:rPr>
+              <a:t> app (Alexandre)</a:t>
+            </a:r>
+          </a:p>
+          <a:p>
+            <a:pPr lvl="1"/>
+            <a:r>
+              <a:rPr lang="pt-PT" sz="2100" dirty="0" err="1">
+                <a:latin typeface="Arial"/>
+                <a:ea typeface="Calibri" panose="020F0502020204030204"/>
+                <a:cs typeface="Arial"/>
+              </a:rPr>
+              <a:t>Task</a:t>
+            </a:r>
+            <a:r>
+              <a:rPr lang="pt-PT" sz="2100" dirty="0">
+                <a:latin typeface="Arial"/>
+                <a:ea typeface="Calibri" panose="020F0502020204030204"/>
+                <a:cs typeface="Arial"/>
+              </a:rPr>
+              <a:t> 2: </a:t>
+            </a:r>
+            <a:r>
+              <a:rPr lang="pt-PT" sz="2100" dirty="0" err="1">
+                <a:latin typeface="Arial"/>
+                <a:ea typeface="Calibri" panose="020F0502020204030204"/>
+                <a:cs typeface="Arial"/>
+              </a:rPr>
+              <a:t>Developing</a:t>
+            </a:r>
+            <a:r>
+              <a:rPr lang="pt-PT" sz="2100" dirty="0">
+                <a:latin typeface="Arial"/>
+                <a:ea typeface="Calibri" panose="020F0502020204030204"/>
+                <a:cs typeface="Arial"/>
+              </a:rPr>
+              <a:t> AI </a:t>
+            </a:r>
+            <a:r>
+              <a:rPr lang="pt-PT" sz="2100" dirty="0" err="1">
+                <a:latin typeface="Arial"/>
+                <a:ea typeface="Calibri" panose="020F0502020204030204"/>
+                <a:cs typeface="Arial"/>
+              </a:rPr>
+              <a:t>detection</a:t>
+            </a:r>
+            <a:r>
+              <a:rPr lang="pt-PT" sz="2100" dirty="0">
+                <a:latin typeface="Arial"/>
+                <a:ea typeface="Calibri" panose="020F0502020204030204"/>
+                <a:cs typeface="Arial"/>
+              </a:rPr>
+              <a:t> (Ricardo, Alexandre)</a:t>
+            </a:r>
+          </a:p>
+          <a:p>
             <a:endParaRPr lang="pt-PT" dirty="0">
+              <a:ea typeface="Calibri" panose="020F0502020204030204"/>
               <a:cs typeface="Calibri"/>
             </a:endParaRPr>
           </a:p>
           <a:p>
             <a:endParaRPr lang="pt-PT" dirty="0">
+              <a:ea typeface="Calibri" panose="020F0502020204030204"/>
               <a:cs typeface="Calibri"/>
             </a:endParaRPr>
           </a:p>
@@ -6712,6 +6876,10 @@
               </a:rPr>
               <a:t>usability</a:t>
             </a:r>
+            <a:endParaRPr lang="pt-PT" sz="2500" dirty="0">
+              <a:latin typeface="Arial"/>
+              <a:cs typeface="Calibri"/>
+            </a:endParaRPr>
           </a:p>
           <a:p>
             <a:r>
@@ -6888,234 +7056,6 @@
               </a:rPr>
               <a:t>documentation</a:t>
             </a:r>
-            <a:r>
-              <a:rPr lang="pt-PT" sz="2500" dirty="0">
-                <a:latin typeface="Arial"/>
-                <a:cs typeface="Calibri"/>
-              </a:rPr>
-              <a:t> to improve future </a:t>
-            </a:r>
-            <a:r>
-              <a:rPr lang="pt-PT" sz="2500" dirty="0" err="1">
-                <a:latin typeface="Arial"/>
-                <a:cs typeface="Calibri"/>
-              </a:rPr>
-              <a:t>work</a:t>
-            </a:r>
-            <a:r>
-              <a:rPr lang="pt-PT" sz="2500" dirty="0">
-                <a:latin typeface="Arial"/>
-                <a:cs typeface="Calibri"/>
-              </a:rPr>
-              <a:t> </a:t>
-            </a:r>
-            <a:r>
-              <a:rPr lang="pt-PT" sz="2500" dirty="0" err="1">
-                <a:latin typeface="Arial"/>
-                <a:cs typeface="Calibri"/>
-              </a:rPr>
-              <a:t>on</a:t>
-            </a:r>
-            <a:r>
-              <a:rPr lang="pt-PT" sz="2500" dirty="0">
-                <a:latin typeface="Arial"/>
-                <a:cs typeface="Calibri"/>
-              </a:rPr>
-              <a:t> </a:t>
-            </a:r>
-            <a:r>
-              <a:rPr lang="pt-PT" sz="2500" dirty="0" err="1">
-                <a:latin typeface="Arial"/>
-                <a:cs typeface="Calibri"/>
-              </a:rPr>
-              <a:t>the</a:t>
-            </a:r>
-            <a:r>
-              <a:rPr lang="pt-PT" sz="2500" dirty="0">
-                <a:latin typeface="Arial"/>
-                <a:cs typeface="Calibri"/>
-              </a:rPr>
-              <a:t> </a:t>
-            </a:r>
-            <a:r>
-              <a:rPr lang="pt-PT" sz="2500" dirty="0" err="1">
-                <a:latin typeface="Arial"/>
-                <a:cs typeface="Calibri"/>
-              </a:rPr>
-              <a:t>project</a:t>
-            </a:r>
-            <a:r>
-              <a:rPr lang="pt-PT" sz="2500" dirty="0">
-                <a:latin typeface="Arial"/>
-                <a:cs typeface="Calibri"/>
-              </a:rPr>
-              <a:t> </a:t>
-            </a:r>
-            <a:r>
-              <a:rPr lang="pt-PT" sz="2500" dirty="0" err="1">
-                <a:latin typeface="Arial"/>
-                <a:cs typeface="Calibri"/>
-              </a:rPr>
-              <a:t>by</a:t>
-            </a:r>
-            <a:r>
-              <a:rPr lang="pt-PT" sz="2500" dirty="0">
-                <a:latin typeface="Arial"/>
-                <a:cs typeface="Calibri"/>
-              </a:rPr>
-              <a:t> </a:t>
-            </a:r>
-            <a:r>
-              <a:rPr lang="pt-PT" sz="2500" dirty="0" err="1">
-                <a:latin typeface="Arial"/>
-                <a:cs typeface="Calibri"/>
-              </a:rPr>
-              <a:t>others</a:t>
-            </a:r>
-            <a:r>
-              <a:rPr lang="pt-PT" sz="2500" dirty="0">
-                <a:latin typeface="Arial"/>
-                <a:cs typeface="Calibri"/>
-              </a:rPr>
-              <a:t> </a:t>
-            </a:r>
-            <a:r>
-              <a:rPr lang="pt-PT" sz="2500" dirty="0" err="1">
-                <a:latin typeface="Arial"/>
-                <a:cs typeface="Calibri"/>
-              </a:rPr>
-              <a:t>and</a:t>
-            </a:r>
-            <a:r>
-              <a:rPr lang="pt-PT" sz="2500" dirty="0">
-                <a:latin typeface="Arial"/>
-                <a:cs typeface="Calibri"/>
-              </a:rPr>
-              <a:t> to </a:t>
-            </a:r>
-            <a:r>
-              <a:rPr lang="pt-PT" sz="2500" dirty="0" err="1">
-                <a:latin typeface="Arial"/>
-                <a:cs typeface="Calibri"/>
-              </a:rPr>
-              <a:t>better</a:t>
-            </a:r>
-            <a:r>
-              <a:rPr lang="pt-PT" sz="2500" dirty="0">
-                <a:latin typeface="Arial"/>
-                <a:cs typeface="Calibri"/>
-              </a:rPr>
-              <a:t> </a:t>
-            </a:r>
-            <a:r>
-              <a:rPr lang="pt-PT" sz="2500" dirty="0" err="1">
-                <a:latin typeface="Arial"/>
-                <a:cs typeface="Calibri"/>
-              </a:rPr>
-              <a:t>equip</a:t>
-            </a:r>
-            <a:r>
-              <a:rPr lang="pt-PT" sz="2500" dirty="0">
-                <a:latin typeface="Arial"/>
-                <a:cs typeface="Calibri"/>
-              </a:rPr>
-              <a:t> </a:t>
-            </a:r>
-            <a:r>
-              <a:rPr lang="pt-PT" sz="2500" dirty="0" err="1">
-                <a:latin typeface="Arial"/>
-                <a:cs typeface="Calibri"/>
-              </a:rPr>
-              <a:t>the</a:t>
-            </a:r>
-            <a:r>
-              <a:rPr lang="pt-PT" sz="2500" dirty="0">
-                <a:latin typeface="Arial"/>
-                <a:cs typeface="Calibri"/>
-              </a:rPr>
-              <a:t> </a:t>
-            </a:r>
-            <a:r>
-              <a:rPr lang="pt-PT" sz="2500" dirty="0" err="1">
-                <a:latin typeface="Arial"/>
-                <a:cs typeface="Calibri"/>
-              </a:rPr>
-              <a:t>users</a:t>
-            </a:r>
-            <a:r>
-              <a:rPr lang="pt-PT" sz="2500" dirty="0">
-                <a:latin typeface="Arial"/>
-                <a:cs typeface="Calibri"/>
-              </a:rPr>
-              <a:t> to use </a:t>
-            </a:r>
-            <a:r>
-              <a:rPr lang="pt-PT" sz="2500" dirty="0" err="1">
-                <a:latin typeface="Arial"/>
-                <a:cs typeface="Calibri"/>
-              </a:rPr>
-              <a:t>the</a:t>
-            </a:r>
-            <a:r>
-              <a:rPr lang="pt-PT" sz="2500" dirty="0">
-                <a:latin typeface="Arial"/>
-                <a:cs typeface="Calibri"/>
-              </a:rPr>
-              <a:t> </a:t>
-            </a:r>
-            <a:r>
-              <a:rPr lang="pt-PT" sz="2500" dirty="0" err="1">
-                <a:latin typeface="Arial"/>
-                <a:cs typeface="Calibri"/>
-              </a:rPr>
-              <a:t>product</a:t>
-            </a:r>
-            <a:r>
-              <a:rPr lang="pt-PT" sz="2500" dirty="0">
-                <a:latin typeface="Arial"/>
-                <a:cs typeface="Calibri"/>
-              </a:rPr>
-              <a:t> to </a:t>
-            </a:r>
-            <a:r>
-              <a:rPr lang="pt-PT" sz="2500" dirty="0" err="1">
-                <a:latin typeface="Arial"/>
-                <a:cs typeface="Calibri"/>
-              </a:rPr>
-              <a:t>its</a:t>
-            </a:r>
-            <a:r>
-              <a:rPr lang="pt-PT" sz="2500" dirty="0">
-                <a:latin typeface="Arial"/>
-                <a:cs typeface="Calibri"/>
-              </a:rPr>
-              <a:t> </a:t>
-            </a:r>
-            <a:r>
-              <a:rPr lang="pt-PT" sz="2500" dirty="0" err="1">
-                <a:latin typeface="Arial"/>
-                <a:cs typeface="Calibri"/>
-              </a:rPr>
-              <a:t>full</a:t>
-            </a:r>
-            <a:r>
-              <a:rPr lang="pt-PT" sz="2500" dirty="0">
-                <a:latin typeface="Arial"/>
-                <a:cs typeface="Calibri"/>
-              </a:rPr>
-              <a:t> </a:t>
-            </a:r>
-            <a:r>
-              <a:rPr lang="pt-PT" sz="2500" dirty="0" err="1">
-                <a:latin typeface="Arial"/>
-                <a:cs typeface="Calibri"/>
-              </a:rPr>
-              <a:t>potential</a:t>
-            </a:r>
-            <a:endParaRPr lang="pt-PT" sz="2500">
-              <a:latin typeface="Arial"/>
-              <a:cs typeface="Calibri"/>
-            </a:endParaRPr>
           </a:p>
           <a:p>
             <a:endParaRPr lang="pt-PT" sz="2500" dirty="0">
@@ -7714,7 +7654,209 @@
             </a:endParaRPr>
           </a:p>
           <a:p>
+            <a:r>
+              <a:rPr lang="pt-PT" sz="2500" dirty="0">
+                <a:latin typeface="Arial"/>
+                <a:cs typeface="Calibri"/>
+              </a:rPr>
+              <a:t>Roles</a:t>
+            </a:r>
+          </a:p>
+          <a:p>
+            <a:pPr lvl="1"/>
+            <a:r>
+              <a:rPr lang="pt-PT" sz="2100" dirty="0">
+                <a:latin typeface="Arial"/>
+                <a:ea typeface="Calibri" panose="020F0502020204030204"/>
+                <a:cs typeface="Calibri"/>
+              </a:rPr>
+              <a:t>Ricardo: </a:t>
+            </a:r>
+            <a:r>
+              <a:rPr lang="pt-PT" sz="2100" dirty="0" err="1">
+                <a:latin typeface="Arial"/>
+                <a:ea typeface="Calibri" panose="020F0502020204030204"/>
+                <a:cs typeface="Calibri"/>
+              </a:rPr>
+              <a:t>DevOps</a:t>
+            </a:r>
+            <a:r>
+              <a:rPr lang="pt-PT" sz="2100" dirty="0">
+                <a:latin typeface="Arial"/>
+                <a:ea typeface="Calibri" panose="020F0502020204030204"/>
+                <a:cs typeface="Calibri"/>
+              </a:rPr>
+              <a:t>, AI </a:t>
+            </a:r>
+            <a:r>
+              <a:rPr lang="pt-PT" sz="2100" dirty="0" err="1">
+                <a:latin typeface="Arial"/>
+                <a:ea typeface="Calibri" panose="020F0502020204030204"/>
+                <a:cs typeface="Calibri"/>
+              </a:rPr>
+              <a:t>Dev</a:t>
+            </a:r>
+            <a:r>
+              <a:rPr lang="pt-PT" sz="2100" dirty="0">
+                <a:latin typeface="Arial"/>
+                <a:ea typeface="Calibri" panose="020F0502020204030204"/>
+                <a:cs typeface="Calibri"/>
+              </a:rPr>
+              <a:t>, </a:t>
+            </a:r>
+            <a:r>
+              <a:rPr lang="pt-PT" sz="2100" dirty="0" err="1">
+                <a:latin typeface="Arial"/>
+                <a:ea typeface="Calibri" panose="020F0502020204030204"/>
+                <a:cs typeface="Calibri"/>
+              </a:rPr>
+              <a:t>Documenter</a:t>
+            </a:r>
+            <a:r>
+              <a:rPr lang="pt-PT" sz="2100" dirty="0">
+                <a:latin typeface="Arial"/>
+                <a:ea typeface="Calibri" panose="020F0502020204030204"/>
+                <a:cs typeface="Calibri"/>
+              </a:rPr>
+              <a:t>, </a:t>
+            </a:r>
+            <a:r>
+              <a:rPr lang="pt-PT" sz="2100" dirty="0" err="1">
+                <a:latin typeface="Arial"/>
+                <a:ea typeface="Calibri" panose="020F0502020204030204"/>
+                <a:cs typeface="Calibri"/>
+              </a:rPr>
+              <a:t>Back-End</a:t>
+            </a:r>
+            <a:r>
+              <a:rPr lang="pt-PT" sz="2100" dirty="0">
+                <a:latin typeface="Arial"/>
+                <a:ea typeface="Calibri" panose="020F0502020204030204"/>
+                <a:cs typeface="Calibri"/>
+              </a:rPr>
+              <a:t> </a:t>
+            </a:r>
+            <a:r>
+              <a:rPr lang="pt-PT" sz="2100" dirty="0" err="1">
+                <a:latin typeface="Arial"/>
+                <a:ea typeface="Calibri" panose="020F0502020204030204"/>
+                <a:cs typeface="Calibri"/>
+              </a:rPr>
+              <a:t>Dev</a:t>
+            </a:r>
+          </a:p>
+          <a:p>
+            <a:pPr lvl="1"/>
+            <a:r>
+              <a:rPr lang="pt-PT" sz="2100" dirty="0">
+                <a:latin typeface="Arial"/>
+                <a:ea typeface="Calibri" panose="020F0502020204030204"/>
+                <a:cs typeface="Calibri"/>
+              </a:rPr>
+              <a:t>Alexandre: LM </a:t>
+            </a:r>
+            <a:r>
+              <a:rPr lang="pt-PT" sz="2100" dirty="0" err="1">
+                <a:latin typeface="Arial"/>
+                <a:ea typeface="Calibri" panose="020F0502020204030204"/>
+                <a:cs typeface="Calibri"/>
+              </a:rPr>
+              <a:t>Dev</a:t>
+            </a:r>
+            <a:r>
+              <a:rPr lang="pt-PT" sz="2100" dirty="0">
+                <a:latin typeface="Arial"/>
+                <a:ea typeface="Calibri" panose="020F0502020204030204"/>
+                <a:cs typeface="Calibri"/>
+              </a:rPr>
+              <a:t>, </a:t>
+            </a:r>
+            <a:r>
+              <a:rPr lang="pt-PT" sz="2100" dirty="0" err="1">
+                <a:latin typeface="Arial"/>
+                <a:ea typeface="Calibri" panose="020F0502020204030204"/>
+                <a:cs typeface="Calibri"/>
+              </a:rPr>
+              <a:t>Back-End</a:t>
+            </a:r>
+            <a:r>
+              <a:rPr lang="pt-PT" sz="2100" dirty="0">
+                <a:latin typeface="Arial"/>
+                <a:ea typeface="Calibri" panose="020F0502020204030204"/>
+                <a:cs typeface="Calibri"/>
+              </a:rPr>
+              <a:t> </a:t>
+            </a:r>
+            <a:r>
+              <a:rPr lang="pt-PT" sz="2100" dirty="0" err="1">
+                <a:latin typeface="Arial"/>
+                <a:ea typeface="Calibri" panose="020F0502020204030204"/>
+                <a:cs typeface="Calibri"/>
+              </a:rPr>
+              <a:t>Dev</a:t>
+            </a:r>
+          </a:p>
+          <a:p>
+            <a:pPr lvl="1"/>
+            <a:r>
+              <a:rPr lang="pt-PT" sz="2100" dirty="0">
+                <a:latin typeface="Arial"/>
+                <a:ea typeface="Calibri" panose="020F0502020204030204"/>
+                <a:cs typeface="Calibri"/>
+              </a:rPr>
+              <a:t>Diogo: Website </a:t>
+            </a:r>
+            <a:r>
+              <a:rPr lang="pt-PT" sz="2100" dirty="0" err="1">
+                <a:latin typeface="Arial"/>
+                <a:ea typeface="Calibri" panose="020F0502020204030204"/>
+                <a:cs typeface="Calibri"/>
+              </a:rPr>
+              <a:t>Dev</a:t>
+            </a:r>
+            <a:r>
+              <a:rPr lang="pt-PT" sz="2100" dirty="0">
+                <a:latin typeface="Arial"/>
+                <a:ea typeface="Calibri" panose="020F0502020204030204"/>
+                <a:cs typeface="Calibri"/>
+              </a:rPr>
+              <a:t>, </a:t>
+            </a:r>
+            <a:r>
+              <a:rPr lang="pt-PT" sz="2100" dirty="0" err="1">
+                <a:latin typeface="Arial"/>
+                <a:ea typeface="Calibri" panose="020F0502020204030204"/>
+                <a:cs typeface="Calibri"/>
+              </a:rPr>
+              <a:t>Front-End</a:t>
+            </a:r>
+            <a:r>
+              <a:rPr lang="pt-PT" sz="2100" dirty="0">
+                <a:latin typeface="Arial"/>
+                <a:ea typeface="Calibri" panose="020F0502020204030204"/>
+                <a:cs typeface="Calibri"/>
+              </a:rPr>
+              <a:t> </a:t>
+            </a:r>
+            <a:r>
+              <a:rPr lang="pt-PT" sz="2100" dirty="0" err="1">
+                <a:latin typeface="Arial"/>
+                <a:ea typeface="Calibri" panose="020F0502020204030204"/>
+                <a:cs typeface="Calibri"/>
+              </a:rPr>
+              <a:t>Dev</a:t>
+            </a:r>
+          </a:p>
+          <a:p>
+            <a:endParaRPr lang="pt-PT" sz="2500" dirty="0">
+              <a:latin typeface="Arial"/>
+              <a:ea typeface="Calibri" panose="020F0502020204030204"/>
+              <a:cs typeface="Calibri"/>
+            </a:endParaRPr>
+          </a:p>
+          <a:p>
             <a:endParaRPr lang="pt-PT" dirty="0">
+              <a:ea typeface="Calibri" panose="020F0502020204030204"/>
               <a:cs typeface="Calibri"/>
             </a:endParaRPr>
           </a:p>

--- a/PresentationInception.pptx
+++ b/PresentationInception.pptx
@@ -123,7 +123,7 @@
 <file path=ppt/revisionInfo.xml><?xml version="1.0" encoding="utf-8"?>
 <p1510:revInfo xmlns:a="http://schemas.openxmlformats.org/drawingml/2006/main" xmlns:r="http://schemas.openxmlformats.org/officeDocument/2006/relationships" xmlns:p1510="http://schemas.microsoft.com/office/powerpoint/2015/10/main">
   <p1510:revLst>
-    <p1510:client id="{2B25416B-F551-49CF-A4EA-5A18566E5022}" v="149" dt="2023-02-28T00:33:54.125"/>
+    <p1510:client id="{2B25416B-F551-49CF-A4EA-5A18566E5022}" v="157" dt="2023-02-28T00:47:03.420"/>
     <p1510:client id="{2C46D093-A36C-484A-84BF-6AEE92932C45}" v="901" dt="2023-02-20T16:40:02.092"/>
     <p1510:client id="{59DF4035-CED3-4F50-A2EC-BC671967EC67}" v="453" dt="2023-02-27T10:57:16.596"/>
     <p1510:client id="{9455531E-7C70-44B9-9CB2-A989D1F6EA3E}" v="121" dt="2023-02-25T10:59:59.083"/>
@@ -7615,34 +7615,29 @@
               <a:rPr lang="pt-PT" sz="2500" dirty="0">
                 <a:latin typeface="Arial"/>
                 <a:cs typeface="Calibri"/>
-              </a:rPr>
-              <a:t>Project website (</a:t>
-            </a:r>
-            <a:r>
-              <a:rPr lang="pt-PT" sz="2500" dirty="0" err="1">
-                <a:latin typeface="Arial"/>
-                <a:cs typeface="Calibri"/>
-              </a:rPr>
-              <a:t>insert</a:t>
-            </a:r>
-            <a:r>
-              <a:rPr lang="pt-PT" sz="2500" dirty="0">
-                <a:latin typeface="Arial"/>
-                <a:cs typeface="Calibri"/>
-              </a:rPr>
-              <a:t> URL </a:t>
-            </a:r>
-            <a:r>
-              <a:rPr lang="pt-PT" sz="2500" dirty="0" err="1">
-                <a:latin typeface="Arial"/>
-                <a:cs typeface="Calibri"/>
-              </a:rPr>
-              <a:t>here</a:t>
-            </a:r>
-            <a:r>
-              <a:rPr lang="pt-PT" sz="2500" dirty="0">
-                <a:latin typeface="Arial"/>
-                <a:cs typeface="Calibri"/>
+                <a:hlinkClick r:id="rId3"/>
+              </a:rPr>
+              <a:t>Project website</a:t>
+            </a:r>
+            <a:r>
+              <a:rPr lang="pt-PT" sz="2500" dirty="0">
+                <a:latin typeface="Arial"/>
+                <a:cs typeface="Calibri"/>
+              </a:rPr>
+              <a:t> (</a:t>
+            </a:r>
+            <a:r>
+              <a:rPr lang="pt-PT" sz="2500" dirty="0">
+                <a:ea typeface="+mn-lt"/>
+                <a:cs typeface="+mn-lt"/>
+                <a:hlinkClick r:id="rId3"/>
+              </a:rPr>
+              <a:t>https://zzzzz151.github.io/AI-text-detector/</a:t>
+            </a:r>
+            <a:r>
+              <a:rPr lang="pt-PT" sz="2500" dirty="0">
+                <a:ea typeface="+mn-lt"/>
+                <a:cs typeface="+mn-lt"/>
               </a:rPr>
               <a:t>)</a:t>
             </a:r>
@@ -7744,6 +7739,11 @@
               </a:rPr>
               <a:t>Dev</a:t>
             </a:r>
+            <a:endParaRPr lang="pt-PT" sz="2100">
+              <a:latin typeface="Arial"/>
+              <a:ea typeface="Calibri" panose="020F0502020204030204"/>
+              <a:cs typeface="Calibri"/>
+            </a:endParaRPr>
           </a:p>
           <a:p>
             <a:pPr lvl="1"/>
@@ -7795,6 +7795,11 @@
               </a:rPr>
               <a:t>Dev</a:t>
             </a:r>
+            <a:endParaRPr lang="pt-PT" sz="2100">
+              <a:latin typeface="Arial"/>
+              <a:ea typeface="Calibri" panose="020F0502020204030204"/>
+              <a:cs typeface="Calibri"/>
+            </a:endParaRPr>
           </a:p>
           <a:p>
             <a:pPr lvl="1"/>
@@ -7846,6 +7851,11 @@
               </a:rPr>
               <a:t>Dev</a:t>
             </a:r>
+            <a:endParaRPr lang="pt-PT" sz="2100">
+              <a:latin typeface="Arial"/>
+              <a:ea typeface="Calibri" panose="020F0502020204030204"/>
+              <a:cs typeface="Calibri"/>
+            </a:endParaRPr>
           </a:p>
           <a:p>
             <a:endParaRPr lang="pt-PT" sz="2500" dirty="0">
